--- a/Management/Presentations/Initial presentation.pptx
+++ b/Management/Presentations/Initial presentation.pptx
@@ -12,9 +12,10 @@
     <p:sldId id="270" r:id="rId6"/>
     <p:sldId id="271" r:id="rId7"/>
     <p:sldId id="269" r:id="rId8"/>
-    <p:sldId id="263" r:id="rId9"/>
+    <p:sldId id="272" r:id="rId9"/>
     <p:sldId id="259" r:id="rId10"/>
-    <p:sldId id="264" r:id="rId11"/>
+    <p:sldId id="263" r:id="rId11"/>
+    <p:sldId id="264" r:id="rId12"/>
   </p:sldIdLst>
   <p:sldSz cx="12192000" cy="6858000"/>
   <p:notesSz cx="6858000" cy="9144000"/>
@@ -115,7 +116,7 @@
   </p:defaultTextStyle>
   <p:extLst>
     <p:ext uri="{EFAFB233-063F-42B5-8137-9DF3F51BA10A}">
-      <p15:sldGuideLst xmlns:p15="http://schemas.microsoft.com/office/powerpoint/2012/main">
+      <p15:sldGuideLst xmlns:p15="http://schemas.microsoft.com/office/powerpoint/2012/main" xmlns="">
         <p15:guide id="1" orient="horz" pos="2160">
           <p15:clr>
             <a:srgbClr val="A4A3A4"/>
@@ -640,7 +641,7 @@
             <a:fld id="{F3994DA1-97A3-4E54-9B2F-00B500E03E14}" type="datetime1">
               <a:rPr lang="en-GB" smtClean="0"/>
               <a:pPr lvl="0"/>
-              <a:t>05/02/2018</a:t>
+              <a:t>07/02/2018</a:t>
             </a:fld>
             <a:endParaRPr lang="en-GB"/>
           </a:p>
@@ -699,7 +700,7 @@
     </p:spTree>
     <p:extLst>
       <p:ext uri="{BB962C8B-B14F-4D97-AF65-F5344CB8AC3E}">
-        <p14:creationId xmlns:p14="http://schemas.microsoft.com/office/powerpoint/2010/main" val="4155446128"/>
+        <p14:creationId xmlns:p14="http://schemas.microsoft.com/office/powerpoint/2010/main" xmlns="" val="4155446128"/>
       </p:ext>
     </p:extLst>
   </p:cSld>
@@ -942,7 +943,7 @@
             <a:fld id="{0A938B45-B51E-45C2-A0D9-B497EE50B1AF}" type="datetime1">
               <a:rPr lang="en-GB" smtClean="0"/>
               <a:pPr lvl="0"/>
-              <a:t>05/02/2018</a:t>
+              <a:t>07/02/2018</a:t>
             </a:fld>
             <a:endParaRPr lang="en-GB"/>
           </a:p>
@@ -996,7 +997,7 @@
     </p:spTree>
     <p:extLst>
       <p:ext uri="{BB962C8B-B14F-4D97-AF65-F5344CB8AC3E}">
-        <p14:creationId xmlns:p14="http://schemas.microsoft.com/office/powerpoint/2010/main" val="840361180"/>
+        <p14:creationId xmlns:p14="http://schemas.microsoft.com/office/powerpoint/2010/main" xmlns="" val="840361180"/>
       </p:ext>
     </p:extLst>
   </p:cSld>
@@ -1195,7 +1196,7 @@
             <a:fld id="{BAB0A914-807F-429A-B6D8-8710A2DAF7FA}" type="datetime1">
               <a:rPr lang="en-GB" smtClean="0"/>
               <a:pPr lvl="0"/>
-              <a:t>05/02/2018</a:t>
+              <a:t>07/02/2018</a:t>
             </a:fld>
             <a:endParaRPr lang="en-GB"/>
           </a:p>
@@ -1249,7 +1250,7 @@
     </p:spTree>
     <p:extLst>
       <p:ext uri="{BB962C8B-B14F-4D97-AF65-F5344CB8AC3E}">
-        <p14:creationId xmlns:p14="http://schemas.microsoft.com/office/powerpoint/2010/main" val="2181175934"/>
+        <p14:creationId xmlns:p14="http://schemas.microsoft.com/office/powerpoint/2010/main" xmlns="" val="2181175934"/>
       </p:ext>
     </p:extLst>
   </p:cSld>
@@ -1740,7 +1741,7 @@
             <a:fld id="{EEEC9F56-CA01-4928-B668-FFCE44F60EC0}" type="datetime1">
               <a:rPr lang="en-GB" smtClean="0"/>
               <a:pPr lvl="0"/>
-              <a:t>05/02/2018</a:t>
+              <a:t>07/02/2018</a:t>
             </a:fld>
             <a:endParaRPr lang="en-GB"/>
           </a:p>
@@ -1794,7 +1795,7 @@
     </p:spTree>
     <p:extLst>
       <p:ext uri="{BB962C8B-B14F-4D97-AF65-F5344CB8AC3E}">
-        <p14:creationId xmlns:p14="http://schemas.microsoft.com/office/powerpoint/2010/main" val="177440916"/>
+        <p14:creationId xmlns:p14="http://schemas.microsoft.com/office/powerpoint/2010/main" xmlns="" val="177440916"/>
       </p:ext>
     </p:extLst>
   </p:cSld>
@@ -1993,7 +1994,7 @@
             <a:fld id="{F58CB32B-5947-464C-B805-F5DA6D1796F9}" type="datetime1">
               <a:rPr lang="en-GB" smtClean="0"/>
               <a:pPr lvl="0"/>
-              <a:t>05/02/2018</a:t>
+              <a:t>07/02/2018</a:t>
             </a:fld>
             <a:endParaRPr lang="en-GB"/>
           </a:p>
@@ -2047,7 +2048,7 @@
     </p:spTree>
     <p:extLst>
       <p:ext uri="{BB962C8B-B14F-4D97-AF65-F5344CB8AC3E}">
-        <p14:creationId xmlns:p14="http://schemas.microsoft.com/office/powerpoint/2010/main" val="1888309637"/>
+        <p14:creationId xmlns:p14="http://schemas.microsoft.com/office/powerpoint/2010/main" xmlns="" val="1888309637"/>
       </p:ext>
     </p:extLst>
   </p:cSld>
@@ -2530,7 +2531,7 @@
             <a:fld id="{D5116B6F-B8D8-42AC-962D-54B233F9EAF6}" type="datetime1">
               <a:rPr lang="en-GB" smtClean="0"/>
               <a:pPr lvl="0"/>
-              <a:t>05/02/2018</a:t>
+              <a:t>07/02/2018</a:t>
             </a:fld>
             <a:endParaRPr lang="en-GB"/>
           </a:p>
@@ -2584,7 +2585,7 @@
     </p:spTree>
     <p:extLst>
       <p:ext uri="{BB962C8B-B14F-4D97-AF65-F5344CB8AC3E}">
-        <p14:creationId xmlns:p14="http://schemas.microsoft.com/office/powerpoint/2010/main" val="4149338326"/>
+        <p14:creationId xmlns:p14="http://schemas.microsoft.com/office/powerpoint/2010/main" xmlns="" val="4149338326"/>
       </p:ext>
     </p:extLst>
   </p:cSld>
@@ -2832,7 +2833,7 @@
             <a:fld id="{F3C9C397-44C4-436C-B923-CD3016194903}" type="datetime1">
               <a:rPr lang="en-GB" smtClean="0"/>
               <a:pPr lvl="0"/>
-              <a:t>05/02/2018</a:t>
+              <a:t>07/02/2018</a:t>
             </a:fld>
             <a:endParaRPr lang="en-GB"/>
           </a:p>
@@ -2886,7 +2887,7 @@
     </p:spTree>
     <p:extLst>
       <p:ext uri="{BB962C8B-B14F-4D97-AF65-F5344CB8AC3E}">
-        <p14:creationId xmlns:p14="http://schemas.microsoft.com/office/powerpoint/2010/main" val="2912553532"/>
+        <p14:creationId xmlns:p14="http://schemas.microsoft.com/office/powerpoint/2010/main" xmlns="" val="2912553532"/>
       </p:ext>
     </p:extLst>
   </p:cSld>
@@ -3011,7 +3012,7 @@
             <a:fld id="{AF00B6BA-DFF7-4BD5-8B96-5584303CF8BC}" type="datetime1">
               <a:rPr lang="en-GB" smtClean="0"/>
               <a:pPr lvl="0"/>
-              <a:t>05/02/2018</a:t>
+              <a:t>07/02/2018</a:t>
             </a:fld>
             <a:endParaRPr lang="en-GB"/>
           </a:p>
@@ -3065,7 +3066,7 @@
     </p:spTree>
     <p:extLst>
       <p:ext uri="{BB962C8B-B14F-4D97-AF65-F5344CB8AC3E}">
-        <p14:creationId xmlns:p14="http://schemas.microsoft.com/office/powerpoint/2010/main" val="2210191264"/>
+        <p14:creationId xmlns:p14="http://schemas.microsoft.com/office/powerpoint/2010/main" xmlns="" val="2210191264"/>
       </p:ext>
     </p:extLst>
   </p:cSld>
@@ -3196,7 +3197,7 @@
             <a:fld id="{3F7009C4-81D5-414D-9C86-4061F61122F4}" type="datetime1">
               <a:rPr lang="en-GB" smtClean="0"/>
               <a:pPr lvl="0"/>
-              <a:t>05/02/2018</a:t>
+              <a:t>07/02/2018</a:t>
             </a:fld>
             <a:endParaRPr lang="en-GB"/>
           </a:p>
@@ -3250,7 +3251,7 @@
     </p:spTree>
     <p:extLst>
       <p:ext uri="{BB962C8B-B14F-4D97-AF65-F5344CB8AC3E}">
-        <p14:creationId xmlns:p14="http://schemas.microsoft.com/office/powerpoint/2010/main" val="2841010170"/>
+        <p14:creationId xmlns:p14="http://schemas.microsoft.com/office/powerpoint/2010/main" xmlns="" val="2841010170"/>
       </p:ext>
     </p:extLst>
   </p:cSld>
@@ -3371,7 +3372,7 @@
             <a:fld id="{E5C1DDFD-8743-4894-BAF6-0C8A876C9B15}" type="datetime1">
               <a:rPr lang="en-GB" smtClean="0"/>
               <a:pPr lvl="0"/>
-              <a:t>05/02/2018</a:t>
+              <a:t>07/02/2018</a:t>
             </a:fld>
             <a:endParaRPr lang="en-GB"/>
           </a:p>
@@ -3430,7 +3431,7 @@
     </p:spTree>
     <p:extLst>
       <p:ext uri="{BB962C8B-B14F-4D97-AF65-F5344CB8AC3E}">
-        <p14:creationId xmlns:p14="http://schemas.microsoft.com/office/powerpoint/2010/main" val="2635326632"/>
+        <p14:creationId xmlns:p14="http://schemas.microsoft.com/office/powerpoint/2010/main" xmlns="" val="2635326632"/>
       </p:ext>
     </p:extLst>
   </p:cSld>
@@ -3628,7 +3629,7 @@
             <a:fld id="{3B269C16-6059-43AC-B645-D77BB9C79854}" type="datetime1">
               <a:rPr lang="en-GB" smtClean="0"/>
               <a:pPr lvl="0"/>
-              <a:t>05/02/2018</a:t>
+              <a:t>07/02/2018</a:t>
             </a:fld>
             <a:endParaRPr lang="en-GB"/>
           </a:p>
@@ -3682,7 +3683,7 @@
     </p:spTree>
     <p:extLst>
       <p:ext uri="{BB962C8B-B14F-4D97-AF65-F5344CB8AC3E}">
-        <p14:creationId xmlns:p14="http://schemas.microsoft.com/office/powerpoint/2010/main" val="2676101457"/>
+        <p14:creationId xmlns:p14="http://schemas.microsoft.com/office/powerpoint/2010/main" xmlns="" val="2676101457"/>
       </p:ext>
     </p:extLst>
   </p:cSld>
@@ -3930,7 +3931,7 @@
             <a:fld id="{E442CE44-BBE2-4790-BAC2-E237D1F7D24B}" type="datetime1">
               <a:rPr lang="en-GB" smtClean="0"/>
               <a:pPr lvl="0"/>
-              <a:t>05/02/2018</a:t>
+              <a:t>07/02/2018</a:t>
             </a:fld>
             <a:endParaRPr lang="en-GB"/>
           </a:p>
@@ -3984,7 +3985,7 @@
     </p:spTree>
     <p:extLst>
       <p:ext uri="{BB962C8B-B14F-4D97-AF65-F5344CB8AC3E}">
-        <p14:creationId xmlns:p14="http://schemas.microsoft.com/office/powerpoint/2010/main" val="472373085"/>
+        <p14:creationId xmlns:p14="http://schemas.microsoft.com/office/powerpoint/2010/main" xmlns="" val="472373085"/>
       </p:ext>
     </p:extLst>
   </p:cSld>
@@ -4377,7 +4378,7 @@
             <a:fld id="{3F0870A0-5E64-4FFD-82CD-9799FCF7635C}" type="datetime1">
               <a:rPr lang="en-GB" smtClean="0"/>
               <a:pPr lvl="0"/>
-              <a:t>05/02/2018</a:t>
+              <a:t>07/02/2018</a:t>
             </a:fld>
             <a:endParaRPr lang="en-GB"/>
           </a:p>
@@ -4431,7 +4432,7 @@
     </p:spTree>
     <p:extLst>
       <p:ext uri="{BB962C8B-B14F-4D97-AF65-F5344CB8AC3E}">
-        <p14:creationId xmlns:p14="http://schemas.microsoft.com/office/powerpoint/2010/main" val="726964738"/>
+        <p14:creationId xmlns:p14="http://schemas.microsoft.com/office/powerpoint/2010/main" xmlns="" val="726964738"/>
       </p:ext>
     </p:extLst>
   </p:cSld>
@@ -4500,7 +4501,7 @@
             <a:fld id="{296D985E-0DB4-4BF5-855F-28E09246A4AD}" type="datetime1">
               <a:rPr lang="en-GB" smtClean="0"/>
               <a:pPr lvl="0"/>
-              <a:t>05/02/2018</a:t>
+              <a:t>07/02/2018</a:t>
             </a:fld>
             <a:endParaRPr lang="en-GB"/>
           </a:p>
@@ -4554,7 +4555,7 @@
     </p:spTree>
     <p:extLst>
       <p:ext uri="{BB962C8B-B14F-4D97-AF65-F5344CB8AC3E}">
-        <p14:creationId xmlns:p14="http://schemas.microsoft.com/office/powerpoint/2010/main" val="1311473053"/>
+        <p14:creationId xmlns:p14="http://schemas.microsoft.com/office/powerpoint/2010/main" xmlns="" val="1311473053"/>
       </p:ext>
     </p:extLst>
   </p:cSld>
@@ -4600,7 +4601,7 @@
             <a:fld id="{9F1DE80F-3E28-4B3C-8547-264986C5E7C4}" type="datetime1">
               <a:rPr lang="en-GB" smtClean="0"/>
               <a:pPr lvl="0"/>
-              <a:t>05/02/2018</a:t>
+              <a:t>07/02/2018</a:t>
             </a:fld>
             <a:endParaRPr lang="en-GB"/>
           </a:p>
@@ -4654,7 +4655,7 @@
     </p:spTree>
     <p:extLst>
       <p:ext uri="{BB962C8B-B14F-4D97-AF65-F5344CB8AC3E}">
-        <p14:creationId xmlns:p14="http://schemas.microsoft.com/office/powerpoint/2010/main" val="2335321030"/>
+        <p14:creationId xmlns:p14="http://schemas.microsoft.com/office/powerpoint/2010/main" xmlns="" val="2335321030"/>
       </p:ext>
     </p:extLst>
   </p:cSld>
@@ -4888,7 +4889,7 @@
             <a:fld id="{9E0633B0-3715-4B4A-863A-9FE6BFE19A02}" type="datetime1">
               <a:rPr lang="en-GB" smtClean="0"/>
               <a:pPr lvl="0"/>
-              <a:t>05/02/2018</a:t>
+              <a:t>07/02/2018</a:t>
             </a:fld>
             <a:endParaRPr lang="en-GB"/>
           </a:p>
@@ -4942,7 +4943,7 @@
     </p:spTree>
     <p:extLst>
       <p:ext uri="{BB962C8B-B14F-4D97-AF65-F5344CB8AC3E}">
-        <p14:creationId xmlns:p14="http://schemas.microsoft.com/office/powerpoint/2010/main" val="3096683163"/>
+        <p14:creationId xmlns:p14="http://schemas.microsoft.com/office/powerpoint/2010/main" xmlns="" val="3096683163"/>
       </p:ext>
     </p:extLst>
   </p:cSld>
@@ -5184,7 +5185,7 @@
             <a:fld id="{6A2E4BBA-91CD-4AAE-848B-10EB5ECE1EAD}" type="datetime1">
               <a:rPr lang="en-GB" smtClean="0"/>
               <a:pPr lvl="0"/>
-              <a:t>05/02/2018</a:t>
+              <a:t>07/02/2018</a:t>
             </a:fld>
             <a:endParaRPr lang="en-GB"/>
           </a:p>
@@ -5238,7 +5239,7 @@
     </p:spTree>
     <p:extLst>
       <p:ext uri="{BB962C8B-B14F-4D97-AF65-F5344CB8AC3E}">
-        <p14:creationId xmlns:p14="http://schemas.microsoft.com/office/powerpoint/2010/main" val="2056274303"/>
+        <p14:creationId xmlns:p14="http://schemas.microsoft.com/office/powerpoint/2010/main" xmlns="" val="2056274303"/>
       </p:ext>
     </p:extLst>
   </p:cSld>
@@ -5719,7 +5720,7 @@
             <a:fld id="{0A938B45-B51E-45C2-A0D9-B497EE50B1AF}" type="datetime1">
               <a:rPr lang="en-GB" smtClean="0"/>
               <a:pPr lvl="0"/>
-              <a:t>05/02/2018</a:t>
+              <a:t>07/02/2018</a:t>
             </a:fld>
             <a:endParaRPr lang="en-GB"/>
           </a:p>
@@ -5809,7 +5810,7 @@
     </p:spTree>
     <p:extLst>
       <p:ext uri="{BB962C8B-B14F-4D97-AF65-F5344CB8AC3E}">
-        <p14:creationId xmlns:p14="http://schemas.microsoft.com/office/powerpoint/2010/main" val="3628769583"/>
+        <p14:creationId xmlns:p14="http://schemas.microsoft.com/office/powerpoint/2010/main" xmlns="" val="3628769583"/>
       </p:ext>
     </p:extLst>
   </p:cSld>
@@ -6369,6 +6370,371 @@
         </p:nvSpPr>
         <p:spPr>
           <a:xfrm>
+            <a:off x="1510190" y="0"/>
+            <a:ext cx="10018713" cy="1207699"/>
+          </a:xfrm>
+        </p:spPr>
+        <p:txBody>
+          <a:bodyPr/>
+          <a:lstStyle/>
+          <a:p>
+            <a:r>
+              <a:rPr lang="en-GB" dirty="0"/>
+              <a:t>Concept Art</a:t>
+            </a:r>
+          </a:p>
+        </p:txBody>
+      </p:sp>
+      <p:pic>
+        <p:nvPicPr>
+          <p:cNvPr id="1026" name="Picture 2" descr="C:\Users\Games\Desktop\Game Background.jpg"/>
+          <p:cNvPicPr>
+            <a:picLocks noChangeAspect="1" noChangeArrowheads="1"/>
+          </p:cNvPicPr>
+          <p:nvPr/>
+        </p:nvPicPr>
+        <p:blipFill>
+          <a:blip r:embed="rId2" cstate="print"/>
+          <a:srcRect/>
+          <a:stretch>
+            <a:fillRect/>
+          </a:stretch>
+        </p:blipFill>
+        <p:spPr bwMode="auto">
+          <a:xfrm>
+            <a:off x="1950567" y="1311213"/>
+            <a:ext cx="5692436" cy="3201995"/>
+          </a:xfrm>
+          <a:prstGeom prst="rect">
+            <a:avLst/>
+          </a:prstGeom>
+          <a:noFill/>
+          <a:ln>
+            <a:solidFill>
+              <a:schemeClr val="tx1"/>
+            </a:solidFill>
+          </a:ln>
+        </p:spPr>
+      </p:pic>
+      <p:sp>
+        <p:nvSpPr>
+          <p:cNvPr id="7" name="TextBox 6"/>
+          <p:cNvSpPr txBox="1"/>
+          <p:nvPr/>
+        </p:nvSpPr>
+        <p:spPr>
+          <a:xfrm>
+            <a:off x="1958197" y="1017916"/>
+            <a:ext cx="4339086" cy="261610"/>
+          </a:xfrm>
+          <a:prstGeom prst="rect">
+            <a:avLst/>
+          </a:prstGeom>
+          <a:noFill/>
+        </p:spPr>
+        <p:txBody>
+          <a:bodyPr wrap="square" rtlCol="0">
+            <a:spAutoFit/>
+          </a:bodyPr>
+          <a:lstStyle/>
+          <a:p>
+            <a:r>
+              <a:rPr lang="en-GB" sz="1100" dirty="0" smtClean="0"/>
+              <a:t>Background concept</a:t>
+            </a:r>
+            <a:endParaRPr lang="en-GB" dirty="0"/>
+          </a:p>
+        </p:txBody>
+      </p:sp>
+      <p:pic>
+        <p:nvPicPr>
+          <p:cNvPr id="1028" name="Picture 4" descr="C:\Users\Games\Desktop\design_carrot.png"/>
+          <p:cNvPicPr>
+            <a:picLocks noChangeAspect="1" noChangeArrowheads="1"/>
+          </p:cNvPicPr>
+          <p:nvPr/>
+        </p:nvPicPr>
+        <p:blipFill>
+          <a:blip r:embed="rId3" cstate="print"/>
+          <a:srcRect/>
+          <a:stretch>
+            <a:fillRect/>
+          </a:stretch>
+        </p:blipFill>
+        <p:spPr bwMode="auto">
+          <a:xfrm>
+            <a:off x="8604969" y="2791438"/>
+            <a:ext cx="1280903" cy="1883389"/>
+          </a:xfrm>
+          <a:prstGeom prst="rect">
+            <a:avLst/>
+          </a:prstGeom>
+          <a:noFill/>
+          <a:ln>
+            <a:solidFill>
+              <a:schemeClr val="tx1"/>
+            </a:solidFill>
+          </a:ln>
+        </p:spPr>
+      </p:pic>
+      <p:pic>
+        <p:nvPicPr>
+          <p:cNvPr id="1029" name="Picture 5" descr="C:\Users\Games\Desktop\design_tomato.png"/>
+          <p:cNvPicPr>
+            <a:picLocks noChangeAspect="1" noChangeArrowheads="1"/>
+          </p:cNvPicPr>
+          <p:nvPr/>
+        </p:nvPicPr>
+        <p:blipFill>
+          <a:blip r:embed="rId4" cstate="print"/>
+          <a:srcRect/>
+          <a:stretch>
+            <a:fillRect/>
+          </a:stretch>
+        </p:blipFill>
+        <p:spPr bwMode="auto">
+          <a:xfrm>
+            <a:off x="9967316" y="2813371"/>
+            <a:ext cx="1823486" cy="1862147"/>
+          </a:xfrm>
+          <a:prstGeom prst="rect">
+            <a:avLst/>
+          </a:prstGeom>
+          <a:noFill/>
+          <a:ln>
+            <a:solidFill>
+              <a:schemeClr val="tx1"/>
+            </a:solidFill>
+          </a:ln>
+        </p:spPr>
+      </p:pic>
+      <p:sp>
+        <p:nvSpPr>
+          <p:cNvPr id="11" name="TextBox 10"/>
+          <p:cNvSpPr txBox="1"/>
+          <p:nvPr/>
+        </p:nvSpPr>
+        <p:spPr>
+          <a:xfrm>
+            <a:off x="8606287" y="2464277"/>
+            <a:ext cx="3246409" cy="261610"/>
+          </a:xfrm>
+          <a:prstGeom prst="rect">
+            <a:avLst/>
+          </a:prstGeom>
+          <a:noFill/>
+        </p:spPr>
+        <p:txBody>
+          <a:bodyPr wrap="square" rtlCol="0">
+            <a:spAutoFit/>
+          </a:bodyPr>
+          <a:lstStyle/>
+          <a:p>
+            <a:pPr algn="ctr"/>
+            <a:r>
+              <a:rPr lang="en-GB" sz="1100" dirty="0" smtClean="0"/>
+              <a:t>Character concepts</a:t>
+            </a:r>
+          </a:p>
+        </p:txBody>
+      </p:sp>
+      <p:pic>
+        <p:nvPicPr>
+          <p:cNvPr id="1030" name="Picture 6" descr="C:\Users\Games\Desktop\design_fries.png"/>
+          <p:cNvPicPr>
+            <a:picLocks noChangeAspect="1" noChangeArrowheads="1"/>
+          </p:cNvPicPr>
+          <p:nvPr/>
+        </p:nvPicPr>
+        <p:blipFill>
+          <a:blip r:embed="rId5" cstate="print"/>
+          <a:srcRect/>
+          <a:stretch>
+            <a:fillRect/>
+          </a:stretch>
+        </p:blipFill>
+        <p:spPr bwMode="auto">
+          <a:xfrm>
+            <a:off x="8626415" y="4766220"/>
+            <a:ext cx="1429227" cy="1884748"/>
+          </a:xfrm>
+          <a:prstGeom prst="rect">
+            <a:avLst/>
+          </a:prstGeom>
+          <a:noFill/>
+          <a:ln>
+            <a:solidFill>
+              <a:schemeClr val="tx1"/>
+            </a:solidFill>
+          </a:ln>
+        </p:spPr>
+      </p:pic>
+      <p:pic>
+        <p:nvPicPr>
+          <p:cNvPr id="1031" name="Picture 7" descr="C:\Users\Games\Desktop\design_grapes.png"/>
+          <p:cNvPicPr>
+            <a:picLocks noChangeAspect="1" noChangeArrowheads="1"/>
+          </p:cNvPicPr>
+          <p:nvPr/>
+        </p:nvPicPr>
+        <p:blipFill>
+          <a:blip r:embed="rId6" cstate="print"/>
+          <a:srcRect/>
+          <a:stretch>
+            <a:fillRect/>
+          </a:stretch>
+        </p:blipFill>
+        <p:spPr bwMode="auto">
+          <a:xfrm>
+            <a:off x="10118877" y="4779034"/>
+            <a:ext cx="1681408" cy="1880558"/>
+          </a:xfrm>
+          <a:prstGeom prst="rect">
+            <a:avLst/>
+          </a:prstGeom>
+          <a:noFill/>
+          <a:ln>
+            <a:solidFill>
+              <a:schemeClr val="tx1"/>
+            </a:solidFill>
+          </a:ln>
+        </p:spPr>
+      </p:pic>
+      <p:pic>
+        <p:nvPicPr>
+          <p:cNvPr id="1032" name="Picture 8" descr="C:\Users\Games\Desktop\design_spaghetti_and_meatballs.png"/>
+          <p:cNvPicPr>
+            <a:picLocks noChangeAspect="1" noChangeArrowheads="1"/>
+          </p:cNvPicPr>
+          <p:nvPr/>
+        </p:nvPicPr>
+        <p:blipFill>
+          <a:blip r:embed="rId7" cstate="print"/>
+          <a:srcRect/>
+          <a:stretch>
+            <a:fillRect/>
+          </a:stretch>
+        </p:blipFill>
+        <p:spPr bwMode="auto">
+          <a:xfrm>
+            <a:off x="6892508" y="4760747"/>
+            <a:ext cx="1656270" cy="1887680"/>
+          </a:xfrm>
+          <a:prstGeom prst="rect">
+            <a:avLst/>
+          </a:prstGeom>
+          <a:noFill/>
+          <a:ln>
+            <a:solidFill>
+              <a:schemeClr val="tx1"/>
+            </a:solidFill>
+          </a:ln>
+        </p:spPr>
+      </p:pic>
+      <p:pic>
+        <p:nvPicPr>
+          <p:cNvPr id="1033" name="Picture 9" descr="C:\Users\Games\Desktop\design_peanut.png"/>
+          <p:cNvPicPr>
+            <a:picLocks noChangeAspect="1" noChangeArrowheads="1"/>
+          </p:cNvPicPr>
+          <p:nvPr/>
+        </p:nvPicPr>
+        <p:blipFill>
+          <a:blip r:embed="rId8" cstate="print"/>
+          <a:srcRect/>
+          <a:stretch>
+            <a:fillRect/>
+          </a:stretch>
+        </p:blipFill>
+        <p:spPr bwMode="auto">
+          <a:xfrm>
+            <a:off x="5465075" y="4758098"/>
+            <a:ext cx="1349794" cy="1889712"/>
+          </a:xfrm>
+          <a:prstGeom prst="rect">
+            <a:avLst/>
+          </a:prstGeom>
+          <a:noFill/>
+          <a:ln>
+            <a:solidFill>
+              <a:schemeClr val="tx1"/>
+            </a:solidFill>
+          </a:ln>
+        </p:spPr>
+      </p:pic>
+      <p:pic>
+        <p:nvPicPr>
+          <p:cNvPr id="1034" name="Picture 10" descr="C:\Users\Games\Desktop\design_ice_cream.png"/>
+          <p:cNvPicPr>
+            <a:picLocks noChangeAspect="1" noChangeArrowheads="1"/>
+          </p:cNvPicPr>
+          <p:nvPr/>
+        </p:nvPicPr>
+        <p:blipFill>
+          <a:blip r:embed="rId9" cstate="print"/>
+          <a:srcRect/>
+          <a:stretch>
+            <a:fillRect/>
+          </a:stretch>
+        </p:blipFill>
+        <p:spPr bwMode="auto">
+          <a:xfrm>
+            <a:off x="4516109" y="4753155"/>
+            <a:ext cx="858395" cy="1897811"/>
+          </a:xfrm>
+          <a:prstGeom prst="rect">
+            <a:avLst/>
+          </a:prstGeom>
+          <a:noFill/>
+          <a:ln>
+            <a:solidFill>
+              <a:schemeClr val="tx1"/>
+            </a:solidFill>
+          </a:ln>
+        </p:spPr>
+      </p:pic>
+    </p:spTree>
+    <p:extLst>
+      <p:ext uri="{BB962C8B-B14F-4D97-AF65-F5344CB8AC3E}">
+        <p14:creationId xmlns:p14="http://schemas.microsoft.com/office/powerpoint/2010/main" xmlns="" val="3096015887"/>
+      </p:ext>
+    </p:extLst>
+  </p:cSld>
+  <p:clrMapOvr>
+    <a:masterClrMapping/>
+  </p:clrMapOvr>
+</p:sld>
+</file>
+
+<file path=ppt/slides/slide11.xml><?xml version="1.0" encoding="utf-8"?>
+<p:sld xmlns:a="http://schemas.openxmlformats.org/drawingml/2006/main" xmlns:r="http://schemas.openxmlformats.org/officeDocument/2006/relationships" xmlns:p="http://schemas.openxmlformats.org/presentationml/2006/main">
+  <p:cSld>
+    <p:spTree>
+      <p:nvGrpSpPr>
+        <p:cNvPr id="1" name=""/>
+        <p:cNvGrpSpPr/>
+        <p:nvPr/>
+      </p:nvGrpSpPr>
+      <p:grpSpPr>
+        <a:xfrm>
+          <a:off x="0" y="0"/>
+          <a:ext cx="0" cy="0"/>
+          <a:chOff x="0" y="0"/>
+          <a:chExt cx="0" cy="0"/>
+        </a:xfrm>
+      </p:grpSpPr>
+      <p:sp>
+        <p:nvSpPr>
+          <p:cNvPr id="2" name="Title 1"/>
+          <p:cNvSpPr>
+            <a:spLocks noGrp="1"/>
+          </p:cNvSpPr>
+          <p:nvPr>
+            <p:ph type="title"/>
+          </p:nvPr>
+        </p:nvSpPr>
+        <p:spPr>
+          <a:xfrm>
             <a:off x="4608683" y="2813341"/>
             <a:ext cx="2974634" cy="1231318"/>
           </a:xfrm>
@@ -6388,7 +6754,7 @@
     </p:spTree>
     <p:extLst>
       <p:ext uri="{BB962C8B-B14F-4D97-AF65-F5344CB8AC3E}">
-        <p14:creationId xmlns:p14="http://schemas.microsoft.com/office/powerpoint/2010/main" val="3873436708"/>
+        <p14:creationId xmlns:p14="http://schemas.microsoft.com/office/powerpoint/2010/main" xmlns="" val="3873436708"/>
       </p:ext>
     </p:extLst>
   </p:cSld>
@@ -6420,7 +6786,7 @@
           <p:cNvPr id="2" name="Title 1">
             <a:extLst>
               <a:ext uri="{FF2B5EF4-FFF2-40B4-BE49-F238E27FC236}">
-                <a16:creationId xmlns:a16="http://schemas.microsoft.com/office/drawing/2014/main" id="{1E8861EB-A5E0-478D-9884-160BC60078BC}"/>
+                <a16:creationId xmlns:a16="http://schemas.microsoft.com/office/drawing/2014/main" xmlns="" id="{1E8861EB-A5E0-478D-9884-160BC60078BC}"/>
               </a:ext>
             </a:extLst>
           </p:cNvPr>
@@ -6448,7 +6814,7 @@
           <p:cNvPr id="3" name="Content Placeholder 2">
             <a:extLst>
               <a:ext uri="{FF2B5EF4-FFF2-40B4-BE49-F238E27FC236}">
-                <a16:creationId xmlns:a16="http://schemas.microsoft.com/office/drawing/2014/main" id="{7758E024-986F-427E-9B25-CB481A68D9F3}"/>
+                <a16:creationId xmlns:a16="http://schemas.microsoft.com/office/drawing/2014/main" xmlns="" id="{7758E024-986F-427E-9B25-CB481A68D9F3}"/>
               </a:ext>
             </a:extLst>
           </p:cNvPr>
@@ -6489,16 +6855,17 @@
           </a:p>
           <a:p>
             <a:r>
-              <a:rPr lang="en-GB" dirty="0"/>
-              <a:t>feedback</a:t>
-            </a:r>
+              <a:rPr lang="en-GB" dirty="0" smtClean="0"/>
+              <a:t>Feedback</a:t>
+            </a:r>
+            <a:endParaRPr lang="en-GB" dirty="0"/>
           </a:p>
         </p:txBody>
       </p:sp>
     </p:spTree>
     <p:extLst>
       <p:ext uri="{BB962C8B-B14F-4D97-AF65-F5344CB8AC3E}">
-        <p14:creationId xmlns:p14="http://schemas.microsoft.com/office/powerpoint/2010/main" val="155911683"/>
+        <p14:creationId xmlns:p14="http://schemas.microsoft.com/office/powerpoint/2010/main" xmlns="" val="155911683"/>
       </p:ext>
     </p:extLst>
   </p:cSld>
@@ -6535,7 +6902,12 @@
             <p:ph type="title"/>
           </p:nvPr>
         </p:nvSpPr>
-        <p:spPr/>
+        <p:spPr>
+          <a:xfrm>
+            <a:off x="1518817" y="0"/>
+            <a:ext cx="10018713" cy="1752599"/>
+          </a:xfrm>
+        </p:spPr>
         <p:txBody>
           <a:bodyPr/>
           <a:lstStyle/>
@@ -6557,68 +6929,227 @@
             <p:ph idx="1"/>
           </p:nvPr>
         </p:nvSpPr>
-        <p:spPr/>
+        <p:spPr>
+          <a:xfrm>
+            <a:off x="1484310" y="1580071"/>
+            <a:ext cx="6106935" cy="4415287"/>
+          </a:xfrm>
+        </p:spPr>
         <p:txBody>
           <a:bodyPr>
-            <a:normAutofit fontScale="55000" lnSpcReduction="20000"/>
+            <a:normAutofit/>
           </a:bodyPr>
           <a:lstStyle/>
           <a:p>
             <a:r>
-              <a:rPr lang="en-GB" dirty="0"/>
-              <a:t>Each group member was tasked with the research of various single input games.</a:t>
-            </a:r>
-          </a:p>
-          <a:p>
-            <a:r>
-              <a:rPr lang="en-GB" dirty="0"/>
+              <a:rPr lang="en-GB" dirty="0" smtClean="0"/>
+              <a:t>Clarity of layout.</a:t>
+            </a:r>
+          </a:p>
+          <a:p>
+            <a:r>
+              <a:rPr lang="en-GB" dirty="0" smtClean="0"/>
+              <a:t>Simplicity.</a:t>
+            </a:r>
+          </a:p>
+          <a:p>
+            <a:r>
+              <a:rPr lang="en-GB" dirty="0" smtClean="0"/>
+              <a:t>Gratification.</a:t>
+            </a:r>
+          </a:p>
+          <a:p>
+            <a:r>
+              <a:rPr lang="en-GB" dirty="0" smtClean="0"/>
+              <a:t>What these games taught us?</a:t>
+            </a:r>
+            <a:endParaRPr lang="en-GB" dirty="0"/>
+          </a:p>
+        </p:txBody>
+      </p:sp>
+      <p:pic>
+        <p:nvPicPr>
+          <p:cNvPr id="3074" name="Picture 2" descr="C:\Users\Games\Desktop\screen07_1.jpg"/>
+          <p:cNvPicPr>
+            <a:picLocks noChangeAspect="1" noChangeArrowheads="1"/>
+          </p:cNvPicPr>
+          <p:nvPr/>
+        </p:nvPicPr>
+        <p:blipFill>
+          <a:blip r:embed="rId2" cstate="print"/>
+          <a:srcRect/>
+          <a:stretch>
+            <a:fillRect/>
+          </a:stretch>
+        </p:blipFill>
+        <p:spPr bwMode="auto">
+          <a:xfrm>
+            <a:off x="7781027" y="1523857"/>
+            <a:ext cx="3936674" cy="2214379"/>
+          </a:xfrm>
+          <a:prstGeom prst="rect">
+            <a:avLst/>
+          </a:prstGeom>
+          <a:noFill/>
+          <a:ln>
+            <a:solidFill>
+              <a:schemeClr val="tx1"/>
+            </a:solidFill>
+          </a:ln>
+        </p:spPr>
+      </p:pic>
+      <p:sp>
+        <p:nvSpPr>
+          <p:cNvPr id="5" name="TextBox 4"/>
+          <p:cNvSpPr txBox="1"/>
+          <p:nvPr/>
+        </p:nvSpPr>
+        <p:spPr>
+          <a:xfrm>
+            <a:off x="7781027" y="3752491"/>
+            <a:ext cx="3942271" cy="261610"/>
+          </a:xfrm>
+          <a:prstGeom prst="rect">
+            <a:avLst/>
+          </a:prstGeom>
+          <a:noFill/>
+        </p:spPr>
+        <p:txBody>
+          <a:bodyPr wrap="square" rtlCol="0">
+            <a:spAutoFit/>
+          </a:bodyPr>
+          <a:lstStyle/>
+          <a:p>
+            <a:pPr algn="ctr"/>
+            <a:r>
+              <a:rPr lang="en-GB" sz="1100" dirty="0" smtClean="0"/>
               <a:t>Tower of Babel</a:t>
             </a:r>
-          </a:p>
-          <a:p>
-            <a:r>
-              <a:rPr lang="en-GB" dirty="0"/>
+            <a:endParaRPr lang="en-GB" sz="1100" dirty="0"/>
+          </a:p>
+        </p:txBody>
+      </p:sp>
+      <p:pic>
+        <p:nvPicPr>
+          <p:cNvPr id="3075" name="Picture 3" descr="C:\Users\Games\Desktop\One-More-Line.jpg"/>
+          <p:cNvPicPr>
+            <a:picLocks noChangeAspect="1" noChangeArrowheads="1"/>
+          </p:cNvPicPr>
+          <p:nvPr/>
+        </p:nvPicPr>
+        <p:blipFill>
+          <a:blip r:embed="rId3" cstate="print"/>
+          <a:srcRect l="26495" r="24591"/>
+          <a:stretch>
+            <a:fillRect/>
+          </a:stretch>
+        </p:blipFill>
+        <p:spPr bwMode="auto">
+          <a:xfrm>
+            <a:off x="8013939" y="4164582"/>
+            <a:ext cx="1884571" cy="2167207"/>
+          </a:xfrm>
+          <a:prstGeom prst="rect">
+            <a:avLst/>
+          </a:prstGeom>
+          <a:noFill/>
+          <a:ln>
+            <a:solidFill>
+              <a:schemeClr val="tx1"/>
+            </a:solidFill>
+          </a:ln>
+        </p:spPr>
+      </p:pic>
+      <p:sp>
+        <p:nvSpPr>
+          <p:cNvPr id="7" name="TextBox 6"/>
+          <p:cNvSpPr txBox="1"/>
+          <p:nvPr/>
+        </p:nvSpPr>
+        <p:spPr>
+          <a:xfrm>
+            <a:off x="7985183" y="6337538"/>
+            <a:ext cx="1917941" cy="261610"/>
+          </a:xfrm>
+          <a:prstGeom prst="rect">
+            <a:avLst/>
+          </a:prstGeom>
+          <a:noFill/>
+        </p:spPr>
+        <p:txBody>
+          <a:bodyPr wrap="square" rtlCol="0">
+            <a:spAutoFit/>
+          </a:bodyPr>
+          <a:lstStyle/>
+          <a:p>
+            <a:pPr algn="ctr"/>
+            <a:r>
+              <a:rPr lang="en-GB" sz="1100" dirty="0" smtClean="0"/>
+              <a:t>One More Line</a:t>
+            </a:r>
+            <a:endParaRPr lang="en-GB" sz="1100" dirty="0"/>
+          </a:p>
+        </p:txBody>
+      </p:sp>
+      <p:pic>
+        <p:nvPicPr>
+          <p:cNvPr id="3076" name="Picture 4" descr="C:\Users\Games\Desktop\leap-day-ios-1.jpg"/>
+          <p:cNvPicPr>
+            <a:picLocks noChangeAspect="1" noChangeArrowheads="1"/>
+          </p:cNvPicPr>
+          <p:nvPr/>
+        </p:nvPicPr>
+        <p:blipFill>
+          <a:blip r:embed="rId4" cstate="print"/>
+          <a:srcRect/>
+          <a:stretch>
+            <a:fillRect/>
+          </a:stretch>
+        </p:blipFill>
+        <p:spPr bwMode="auto">
+          <a:xfrm>
+            <a:off x="10127411" y="4150010"/>
+            <a:ext cx="1224950" cy="2180411"/>
+          </a:xfrm>
+          <a:prstGeom prst="rect">
+            <a:avLst/>
+          </a:prstGeom>
+          <a:noFill/>
+          <a:ln>
+            <a:solidFill>
+              <a:schemeClr val="tx1"/>
+            </a:solidFill>
+          </a:ln>
+        </p:spPr>
+      </p:pic>
+      <p:sp>
+        <p:nvSpPr>
+          <p:cNvPr id="9" name="TextBox 8"/>
+          <p:cNvSpPr txBox="1"/>
+          <p:nvPr/>
+        </p:nvSpPr>
+        <p:spPr>
+          <a:xfrm>
+            <a:off x="10095780" y="6351915"/>
+            <a:ext cx="1265209" cy="261610"/>
+          </a:xfrm>
+          <a:prstGeom prst="rect">
+            <a:avLst/>
+          </a:prstGeom>
+          <a:noFill/>
+        </p:spPr>
+        <p:txBody>
+          <a:bodyPr wrap="square" rtlCol="0">
+            <a:spAutoFit/>
+          </a:bodyPr>
+          <a:lstStyle/>
+          <a:p>
+            <a:pPr algn="ctr"/>
+            <a:r>
+              <a:rPr lang="en-GB" sz="1100" dirty="0" smtClean="0"/>
               <a:t>Leap Day</a:t>
             </a:r>
-          </a:p>
-          <a:p>
-            <a:endParaRPr lang="en-GB" dirty="0"/>
-          </a:p>
-          <a:p>
-            <a:r>
-              <a:rPr lang="en-GB" dirty="0"/>
-              <a:t>One Tap Heroes</a:t>
-            </a:r>
-          </a:p>
-          <a:p>
-            <a:endParaRPr lang="en-GB" dirty="0"/>
-          </a:p>
-          <a:p>
-            <a:r>
-              <a:rPr lang="en-GB" dirty="0"/>
-              <a:t>One More Line</a:t>
-            </a:r>
-          </a:p>
-          <a:p>
-            <a:endParaRPr lang="en-GB" dirty="0"/>
-          </a:p>
-          <a:p>
-            <a:r>
-              <a:rPr lang="en-GB" dirty="0"/>
-              <a:t>Group members then came forward with ideas for games</a:t>
-            </a:r>
-          </a:p>
-          <a:p>
-            <a:pPr marL="0" indent="0">
-              <a:buNone/>
-            </a:pPr>
-            <a:endParaRPr lang="en-GB" dirty="0"/>
-          </a:p>
-          <a:p>
-            <a:r>
-              <a:rPr lang="en-GB" dirty="0"/>
-              <a:t>We have taken two of these ideas into a concept stage to be prototyped</a:t>
-            </a:r>
+            <a:endParaRPr lang="en-GB" sz="1100" dirty="0"/>
           </a:p>
         </p:txBody>
       </p:sp>
@@ -6686,20 +7217,27 @@
           <a:p>
             <a:r>
               <a:rPr lang="en-GB" dirty="0"/>
-              <a:t>Age Group</a:t>
-            </a:r>
-          </a:p>
-          <a:p>
-            <a:r>
-              <a:rPr lang="en-GB" dirty="0"/>
-              <a:t>Gender</a:t>
-            </a:r>
-          </a:p>
-          <a:p>
-            <a:r>
-              <a:rPr lang="en-GB" dirty="0"/>
-              <a:t>Psychographics</a:t>
-            </a:r>
+              <a:t>Age </a:t>
+            </a:r>
+            <a:r>
+              <a:rPr lang="en-GB" dirty="0" smtClean="0"/>
+              <a:t>Group (10 – 18)</a:t>
+            </a:r>
+            <a:endParaRPr lang="en-GB" dirty="0"/>
+          </a:p>
+          <a:p>
+            <a:r>
+              <a:rPr lang="en-GB" dirty="0" smtClean="0"/>
+              <a:t>Gender (male)</a:t>
+            </a:r>
+            <a:endParaRPr lang="en-GB" dirty="0"/>
+          </a:p>
+          <a:p>
+            <a:r>
+              <a:rPr lang="en-GB" dirty="0" smtClean="0"/>
+              <a:t>Psychographics (achievers)</a:t>
+            </a:r>
+            <a:endParaRPr lang="en-GB" dirty="0"/>
           </a:p>
           <a:p>
             <a:r>
@@ -6712,7 +7250,7 @@
     </p:spTree>
     <p:extLst>
       <p:ext uri="{BB962C8B-B14F-4D97-AF65-F5344CB8AC3E}">
-        <p14:creationId xmlns:p14="http://schemas.microsoft.com/office/powerpoint/2010/main" val="3053552553"/>
+        <p14:creationId xmlns:p14="http://schemas.microsoft.com/office/powerpoint/2010/main" xmlns="" val="3053552553"/>
       </p:ext>
     </p:extLst>
   </p:cSld>
@@ -6744,7 +7282,7 @@
           <p:cNvPr id="2" name="Title 1">
             <a:extLst>
               <a:ext uri="{FF2B5EF4-FFF2-40B4-BE49-F238E27FC236}">
-                <a16:creationId xmlns:a16="http://schemas.microsoft.com/office/drawing/2014/main" id="{78161224-D0AC-40C2-B289-8552D5A386B9}"/>
+                <a16:creationId xmlns:a16="http://schemas.microsoft.com/office/drawing/2014/main" xmlns="" id="{78161224-D0AC-40C2-B289-8552D5A386B9}"/>
               </a:ext>
             </a:extLst>
           </p:cNvPr>
@@ -6772,7 +7310,7 @@
           <p:cNvPr id="3" name="Content Placeholder 2">
             <a:extLst>
               <a:ext uri="{FF2B5EF4-FFF2-40B4-BE49-F238E27FC236}">
-                <a16:creationId xmlns:a16="http://schemas.microsoft.com/office/drawing/2014/main" id="{925B9804-CD7A-4A25-A514-E2C529CE3030}"/>
+                <a16:creationId xmlns:a16="http://schemas.microsoft.com/office/drawing/2014/main" xmlns="" id="{925B9804-CD7A-4A25-A514-E2C529CE3030}"/>
               </a:ext>
             </a:extLst>
           </p:cNvPr>
@@ -6783,7 +7321,12 @@
             <p:ph idx="1"/>
           </p:nvPr>
         </p:nvSpPr>
-        <p:spPr/>
+        <p:spPr>
+          <a:xfrm>
+            <a:off x="1484310" y="2165230"/>
+            <a:ext cx="10018713" cy="3625971"/>
+          </a:xfrm>
+        </p:spPr>
         <p:txBody>
           <a:bodyPr/>
           <a:lstStyle/>
@@ -6799,8 +7342,26 @@
             </a:pPr>
             <a:r>
               <a:rPr lang="en-GB" dirty="0"/>
-              <a:t>	- Talk about good / bad points</a:t>
-            </a:r>
+              <a:t>	- </a:t>
+            </a:r>
+            <a:r>
+              <a:rPr lang="en-GB" dirty="0" smtClean="0"/>
+              <a:t>Symmetric. Element of competition.</a:t>
+            </a:r>
+          </a:p>
+          <a:p>
+            <a:pPr marL="0" indent="0">
+              <a:buNone/>
+            </a:pPr>
+            <a:r>
+              <a:rPr lang="en-GB" dirty="0" smtClean="0"/>
+              <a:t>	</a:t>
+            </a:r>
+            <a:r>
+              <a:rPr lang="en-GB" dirty="0" smtClean="0"/>
+              <a:t>- No rewards. Hard to play on single device.</a:t>
+            </a:r>
+            <a:endParaRPr lang="en-GB" dirty="0"/>
           </a:p>
           <a:p>
             <a:r>
@@ -6814,15 +7375,33 @@
             </a:pPr>
             <a:r>
               <a:rPr lang="en-GB" dirty="0"/>
-              <a:t>	- Talk about good / bad points</a:t>
-            </a:r>
+              <a:t>	- </a:t>
+            </a:r>
+            <a:r>
+              <a:rPr lang="en-GB" dirty="0" smtClean="0"/>
+              <a:t>Symmetric. Simple rules. </a:t>
+            </a:r>
+          </a:p>
+          <a:p>
+            <a:pPr marL="0" indent="0">
+              <a:buNone/>
+            </a:pPr>
+            <a:r>
+              <a:rPr lang="en-GB" dirty="0" smtClean="0"/>
+              <a:t>	</a:t>
+            </a:r>
+            <a:r>
+              <a:rPr lang="en-GB" dirty="0" smtClean="0"/>
+              <a:t>- Not within the demographics. </a:t>
+            </a:r>
+            <a:endParaRPr lang="en-GB" dirty="0"/>
           </a:p>
         </p:txBody>
       </p:sp>
     </p:spTree>
     <p:extLst>
       <p:ext uri="{BB962C8B-B14F-4D97-AF65-F5344CB8AC3E}">
-        <p14:creationId xmlns:p14="http://schemas.microsoft.com/office/powerpoint/2010/main" val="3961623385"/>
+        <p14:creationId xmlns:p14="http://schemas.microsoft.com/office/powerpoint/2010/main" xmlns="" val="3961623385"/>
       </p:ext>
     </p:extLst>
   </p:cSld>
@@ -6854,7 +7433,7 @@
           <p:cNvPr id="2" name="Title 1">
             <a:extLst>
               <a:ext uri="{FF2B5EF4-FFF2-40B4-BE49-F238E27FC236}">
-                <a16:creationId xmlns:a16="http://schemas.microsoft.com/office/drawing/2014/main" id="{E671B3EA-ACB1-49EB-B5D9-A56196D52C19}"/>
+                <a16:creationId xmlns:a16="http://schemas.microsoft.com/office/drawing/2014/main" xmlns="" id="{E671B3EA-ACB1-49EB-B5D9-A56196D52C19}"/>
               </a:ext>
             </a:extLst>
           </p:cNvPr>
@@ -6882,7 +7461,7 @@
           <p:cNvPr id="3" name="Content Placeholder 2">
             <a:extLst>
               <a:ext uri="{FF2B5EF4-FFF2-40B4-BE49-F238E27FC236}">
-                <a16:creationId xmlns:a16="http://schemas.microsoft.com/office/drawing/2014/main" id="{B774C329-0F74-4AAE-92BE-84867C0FB6DE}"/>
+                <a16:creationId xmlns:a16="http://schemas.microsoft.com/office/drawing/2014/main" xmlns="" id="{B774C329-0F74-4AAE-92BE-84867C0FB6DE}"/>
               </a:ext>
             </a:extLst>
           </p:cNvPr>
@@ -6909,8 +7488,26 @@
             </a:pPr>
             <a:r>
               <a:rPr lang="en-GB" dirty="0"/>
-              <a:t>	- Talk about good / bad points</a:t>
-            </a:r>
+              <a:t>	- </a:t>
+            </a:r>
+            <a:r>
+              <a:rPr lang="en-GB" dirty="0" smtClean="0"/>
+              <a:t>Fun and engaging. Rewards for completing objectives.</a:t>
+            </a:r>
+          </a:p>
+          <a:p>
+            <a:pPr marL="0" indent="0">
+              <a:buNone/>
+            </a:pPr>
+            <a:r>
+              <a:rPr lang="en-GB" dirty="0" smtClean="0"/>
+              <a:t>	</a:t>
+            </a:r>
+            <a:r>
+              <a:rPr lang="en-GB" dirty="0" smtClean="0"/>
+              <a:t>- Endless runner. </a:t>
+            </a:r>
+            <a:endParaRPr lang="en-GB" dirty="0"/>
           </a:p>
           <a:p>
             <a:r>
@@ -6924,15 +7521,33 @@
             </a:pPr>
             <a:r>
               <a:rPr lang="en-GB" dirty="0"/>
-              <a:t>	- Talk about good / bad points</a:t>
-            </a:r>
+              <a:t>	- </a:t>
+            </a:r>
+            <a:r>
+              <a:rPr lang="en-GB" dirty="0" smtClean="0"/>
+              <a:t>Educational. Simple.</a:t>
+            </a:r>
+          </a:p>
+          <a:p>
+            <a:pPr marL="0" indent="0">
+              <a:buNone/>
+            </a:pPr>
+            <a:r>
+              <a:rPr lang="en-GB" dirty="0" smtClean="0"/>
+              <a:t>	</a:t>
+            </a:r>
+            <a:r>
+              <a:rPr lang="en-GB" dirty="0" smtClean="0"/>
+              <a:t>- Short player base. Player two could copy player one’s answer. </a:t>
+            </a:r>
+            <a:endParaRPr lang="en-GB" dirty="0"/>
           </a:p>
         </p:txBody>
       </p:sp>
     </p:spTree>
     <p:extLst>
       <p:ext uri="{BB962C8B-B14F-4D97-AF65-F5344CB8AC3E}">
-        <p14:creationId xmlns:p14="http://schemas.microsoft.com/office/powerpoint/2010/main" val="2347605692"/>
+        <p14:creationId xmlns:p14="http://schemas.microsoft.com/office/powerpoint/2010/main" xmlns="" val="2347605692"/>
       </p:ext>
     </p:extLst>
   </p:cSld>
@@ -6964,7 +7579,7 @@
           <p:cNvPr id="2" name="Title 1">
             <a:extLst>
               <a:ext uri="{FF2B5EF4-FFF2-40B4-BE49-F238E27FC236}">
-                <a16:creationId xmlns:a16="http://schemas.microsoft.com/office/drawing/2014/main" id="{4E4BBC76-6103-41CD-B995-381D1AFC5688}"/>
+                <a16:creationId xmlns:a16="http://schemas.microsoft.com/office/drawing/2014/main" xmlns="" id="{4E4BBC76-6103-41CD-B995-381D1AFC5688}"/>
               </a:ext>
             </a:extLst>
           </p:cNvPr>
@@ -6975,7 +7590,12 @@
             <p:ph type="title"/>
           </p:nvPr>
         </p:nvSpPr>
-        <p:spPr/>
+        <p:spPr>
+          <a:xfrm>
+            <a:off x="1501564" y="487393"/>
+            <a:ext cx="10018713" cy="1752599"/>
+          </a:xfrm>
+        </p:spPr>
         <p:txBody>
           <a:bodyPr/>
           <a:lstStyle/>
@@ -6992,7 +7612,7 @@
           <p:cNvPr id="3" name="Content Placeholder 2">
             <a:extLst>
               <a:ext uri="{FF2B5EF4-FFF2-40B4-BE49-F238E27FC236}">
-                <a16:creationId xmlns:a16="http://schemas.microsoft.com/office/drawing/2014/main" id="{0CEABE3A-C4A2-4A5F-B949-325978B65668}"/>
+                <a16:creationId xmlns:a16="http://schemas.microsoft.com/office/drawing/2014/main" xmlns="" id="{0CEABE3A-C4A2-4A5F-B949-325978B65668}"/>
               </a:ext>
             </a:extLst>
           </p:cNvPr>
@@ -7003,34 +7623,125 @@
             <p:ph idx="1"/>
           </p:nvPr>
         </p:nvSpPr>
-        <p:spPr/>
-        <p:txBody>
-          <a:bodyPr/>
+        <p:spPr>
+          <a:xfrm>
+            <a:off x="1484310" y="1828800"/>
+            <a:ext cx="10018713" cy="3962401"/>
+          </a:xfrm>
+        </p:spPr>
+        <p:txBody>
+          <a:bodyPr>
+            <a:normAutofit lnSpcReduction="10000"/>
+          </a:bodyPr>
           <a:lstStyle/>
           <a:p>
             <a:r>
               <a:rPr lang="en-GB" dirty="0"/>
-              <a:t>What we changed</a:t>
-            </a:r>
+              <a:t>What we </a:t>
+            </a:r>
+            <a:r>
+              <a:rPr lang="en-GB" dirty="0" smtClean="0"/>
+              <a:t>changed?</a:t>
+            </a:r>
+          </a:p>
+          <a:p>
+            <a:pPr lvl="1"/>
+            <a:r>
+              <a:rPr lang="en-GB" dirty="0" smtClean="0"/>
+              <a:t>Endless runner -&gt; Tug-of-war.</a:t>
+            </a:r>
+          </a:p>
+          <a:p>
+            <a:pPr lvl="1"/>
+            <a:r>
+              <a:rPr lang="en-GB" dirty="0" smtClean="0"/>
+              <a:t>Both players on the screen at once.</a:t>
+            </a:r>
+            <a:endParaRPr lang="en-GB" dirty="0"/>
+          </a:p>
+          <a:p>
+            <a:r>
+              <a:rPr lang="en-GB" dirty="0" smtClean="0"/>
+              <a:t>Mechanics</a:t>
+            </a:r>
+          </a:p>
+          <a:p>
+            <a:pPr lvl="1"/>
+            <a:r>
+              <a:rPr lang="en-GB" dirty="0" smtClean="0"/>
+              <a:t>Quick-time-events.</a:t>
+            </a:r>
+          </a:p>
+          <a:p>
+            <a:pPr lvl="1"/>
+            <a:r>
+              <a:rPr lang="en-GB" dirty="0" smtClean="0"/>
+              <a:t>Twitch mechanic.</a:t>
+            </a:r>
+          </a:p>
+          <a:p>
+            <a:pPr lvl="1"/>
+            <a:r>
+              <a:rPr lang="en-GB" dirty="0" smtClean="0"/>
+              <a:t>Learn-pracitce-master.</a:t>
+            </a:r>
+            <a:endParaRPr lang="en-GB" dirty="0"/>
           </a:p>
           <a:p>
             <a:r>
               <a:rPr lang="en-GB" dirty="0"/>
-              <a:t>Mechanics</a:t>
-            </a:r>
-          </a:p>
-          <a:p>
-            <a:r>
-              <a:rPr lang="en-GB" dirty="0"/>
-              <a:t>How it fits the brief</a:t>
-            </a:r>
-          </a:p>
-        </p:txBody>
-      </p:sp>
+              <a:t>How it fits the </a:t>
+            </a:r>
+            <a:r>
+              <a:rPr lang="en-GB" dirty="0" smtClean="0"/>
+              <a:t>brief?</a:t>
+            </a:r>
+          </a:p>
+          <a:p>
+            <a:pPr lvl="1"/>
+            <a:r>
+              <a:rPr lang="en-GB" dirty="0" smtClean="0"/>
+              <a:t>Symmetric. Adversarial. </a:t>
+            </a:r>
+            <a:endParaRPr lang="en-GB" dirty="0"/>
+          </a:p>
+        </p:txBody>
+      </p:sp>
+      <p:pic>
+        <p:nvPicPr>
+          <p:cNvPr id="4" name="Picture 3" descr="C:\Users\Games\Desktop\gameplay loop.jpg"/>
+          <p:cNvPicPr>
+            <a:picLocks noChangeAspect="1" noChangeArrowheads="1"/>
+          </p:cNvPicPr>
+          <p:nvPr/>
+        </p:nvPicPr>
+        <p:blipFill>
+          <a:blip r:embed="rId2" cstate="print"/>
+          <a:srcRect/>
+          <a:stretch>
+            <a:fillRect/>
+          </a:stretch>
+        </p:blipFill>
+        <p:spPr bwMode="auto">
+          <a:xfrm>
+            <a:off x="6634249" y="2147976"/>
+            <a:ext cx="5200221" cy="3676830"/>
+          </a:xfrm>
+          <a:prstGeom prst="rect">
+            <a:avLst/>
+          </a:prstGeom>
+          <a:noFill/>
+          <a:ln>
+            <a:solidFill>
+              <a:schemeClr val="tx1"/>
+            </a:solidFill>
+          </a:ln>
+        </p:spPr>
+      </p:pic>
     </p:spTree>
     <p:extLst>
       <p:ext uri="{BB962C8B-B14F-4D97-AF65-F5344CB8AC3E}">
-        <p14:creationId xmlns:p14="http://schemas.microsoft.com/office/powerpoint/2010/main" val="2386905431"/>
+        <p14:creationId xmlns:p14="http://schemas.microsoft.com/office/powerpoint/2010/main" xmlns="" val="2386905431"/>
       </p:ext>
     </p:extLst>
   </p:cSld>
@@ -7057,56 +7768,38 @@
           <a:chExt cx="0" cy="0"/>
         </a:xfrm>
       </p:grpSpPr>
-      <p:sp>
-        <p:nvSpPr>
-          <p:cNvPr id="2" name="Title 1"/>
-          <p:cNvSpPr>
-            <a:spLocks noGrp="1"/>
-          </p:cNvSpPr>
-          <p:nvPr>
-            <p:ph type="title"/>
-          </p:nvPr>
-        </p:nvSpPr>
-        <p:spPr/>
-        <p:txBody>
-          <a:bodyPr/>
-          <a:lstStyle/>
-          <a:p>
-            <a:r>
-              <a:rPr lang="en-GB" dirty="0"/>
-              <a:t>Concept Art</a:t>
-            </a:r>
-          </a:p>
-        </p:txBody>
-      </p:sp>
-      <p:sp>
-        <p:nvSpPr>
-          <p:cNvPr id="3" name="Content Placeholder 2"/>
-          <p:cNvSpPr>
-            <a:spLocks noGrp="1"/>
-          </p:cNvSpPr>
-          <p:nvPr>
-            <p:ph idx="1"/>
-          </p:nvPr>
-        </p:nvSpPr>
-        <p:spPr/>
-        <p:txBody>
-          <a:bodyPr/>
-          <a:lstStyle/>
-          <a:p>
-            <a:r>
-              <a:rPr lang="en-GB" dirty="0"/>
-              <a:t>Pictures of art styles and speaking points</a:t>
-            </a:r>
-          </a:p>
-        </p:txBody>
-      </p:sp>
+      <p:pic>
+        <p:nvPicPr>
+          <p:cNvPr id="2050" name="Picture 2" descr="C:\Users\Games\Desktop\game concept.jpg"/>
+          <p:cNvPicPr>
+            <a:picLocks noChangeAspect="1" noChangeArrowheads="1"/>
+          </p:cNvPicPr>
+          <p:nvPr/>
+        </p:nvPicPr>
+        <p:blipFill>
+          <a:blip r:embed="rId2" cstate="print"/>
+          <a:srcRect/>
+          <a:stretch>
+            <a:fillRect/>
+          </a:stretch>
+        </p:blipFill>
+        <p:spPr bwMode="auto">
+          <a:xfrm>
+            <a:off x="2641251" y="1004367"/>
+            <a:ext cx="8366054" cy="4707325"/>
+          </a:xfrm>
+          <a:prstGeom prst="rect">
+            <a:avLst/>
+          </a:prstGeom>
+          <a:noFill/>
+          <a:ln>
+            <a:solidFill>
+              <a:schemeClr val="tx1"/>
+            </a:solidFill>
+          </a:ln>
+        </p:spPr>
+      </p:pic>
     </p:spTree>
-    <p:extLst>
-      <p:ext uri="{BB962C8B-B14F-4D97-AF65-F5344CB8AC3E}">
-        <p14:creationId xmlns:p14="http://schemas.microsoft.com/office/powerpoint/2010/main" val="3096015887"/>
-      </p:ext>
-    </p:extLst>
   </p:cSld>
   <p:clrMapOvr>
     <a:masterClrMapping/>
@@ -7163,14 +7856,41 @@
             <p:ph idx="1"/>
           </p:nvPr>
         </p:nvSpPr>
-        <p:spPr/>
+        <p:spPr>
+          <a:xfrm>
+            <a:off x="1484310" y="2227052"/>
+            <a:ext cx="10018713" cy="3124201"/>
+          </a:xfrm>
+        </p:spPr>
         <p:txBody>
           <a:bodyPr/>
           <a:lstStyle/>
           <a:p>
             <a:r>
-              <a:rPr lang="en-GB" dirty="0"/>
-              <a:t>Describe the theme of the game and why we chose it</a:t>
+              <a:rPr lang="en-GB" dirty="0" smtClean="0"/>
+              <a:t>Food</a:t>
+            </a:r>
+            <a:endParaRPr lang="en-GB" dirty="0"/>
+          </a:p>
+          <a:p>
+            <a:pPr lvl="1"/>
+            <a:r>
+              <a:rPr lang="en-GB" dirty="0" smtClean="0"/>
+              <a:t>Appropriate for the demographic.</a:t>
+            </a:r>
+          </a:p>
+          <a:p>
+            <a:pPr lvl="1"/>
+            <a:r>
+              <a:rPr lang="en-GB" dirty="0" smtClean="0"/>
+              <a:t>Flexible to work with. </a:t>
+            </a:r>
+          </a:p>
+          <a:p>
+            <a:pPr lvl="1"/>
+            <a:r>
+              <a:rPr lang="en-GB" dirty="0" smtClean="0"/>
+              <a:t>Exaggarated for comedic purposes.</a:t>
             </a:r>
           </a:p>
         </p:txBody>
@@ -7178,7 +7898,7 @@
     </p:spTree>
     <p:extLst>
       <p:ext uri="{BB962C8B-B14F-4D97-AF65-F5344CB8AC3E}">
-        <p14:creationId xmlns:p14="http://schemas.microsoft.com/office/powerpoint/2010/main" val="2104855039"/>
+        <p14:creationId xmlns:p14="http://schemas.microsoft.com/office/powerpoint/2010/main" xmlns="" val="2104855039"/>
       </p:ext>
     </p:extLst>
   </p:cSld>
@@ -7231,7 +7951,7 @@
     </a:clrScheme>
     <a:fontScheme name="Parallax">
       <a:majorFont>
-        <a:latin typeface="Corbel" panose="020B0503020204020204"/>
+        <a:latin typeface="Corbel"/>
         <a:ea typeface=""/>
         <a:cs typeface=""/>
         <a:font script="Jpan" typeface="HGｺﾞｼｯｸM"/>
@@ -7266,7 +7986,7 @@
         <a:font script="Geor" typeface="Sylfaen"/>
       </a:majorFont>
       <a:minorFont>
-        <a:latin typeface="Corbel" panose="020B0503020204020204"/>
+        <a:latin typeface="Corbel"/>
         <a:ea typeface=""/>
         <a:cs typeface=""/>
         <a:font script="Jpan" typeface="HGｺﾞｼｯｸM"/>
@@ -7438,7 +8158,7 @@
   <a:extraClrSchemeLst/>
   <a:extLst>
     <a:ext uri="{05A4C25C-085E-4340-85A3-A5531E510DB2}">
-      <thm15:themeFamily xmlns:thm15="http://schemas.microsoft.com/office/thememl/2012/main" name="Parallax" id="{3388167B-A2EB-4685-9635-1831D9AEF8C4}" vid="{1A9F9826-882C-40B9-8F38-5A3B8CFD196D}"/>
+      <thm15:themeFamily xmlns:thm15="http://schemas.microsoft.com/office/thememl/2012/main" xmlns="" name="Parallax" id="{3388167B-A2EB-4685-9635-1831D9AEF8C4}" vid="{1A9F9826-882C-40B9-8F38-5A3B8CFD196D}"/>
     </a:ext>
   </a:extLst>
 </a:theme>

--- a/Management/Presentations/Initial presentation.pptx
+++ b/Management/Presentations/Initial presentation.pptx
@@ -4,6 +4,9 @@
   <p:sldMasterIdLst>
     <p:sldMasterId id="2147483773" r:id="rId1"/>
   </p:sldMasterIdLst>
+  <p:notesMasterIdLst>
+    <p:notesMasterId r:id="rId13"/>
+  </p:notesMasterIdLst>
   <p:sldIdLst>
     <p:sldId id="256" r:id="rId2"/>
     <p:sldId id="268" r:id="rId3"/>
@@ -13,8 +16,8 @@
     <p:sldId id="271" r:id="rId7"/>
     <p:sldId id="269" r:id="rId8"/>
     <p:sldId id="272" r:id="rId9"/>
-    <p:sldId id="259" r:id="rId10"/>
-    <p:sldId id="263" r:id="rId11"/>
+    <p:sldId id="263" r:id="rId10"/>
+    <p:sldId id="259" r:id="rId11"/>
     <p:sldId id="264" r:id="rId12"/>
   </p:sldIdLst>
   <p:sldSz cx="12192000" cy="6858000"/>
@@ -116,7 +119,7 @@
   </p:defaultTextStyle>
   <p:extLst>
     <p:ext uri="{EFAFB233-063F-42B5-8137-9DF3F51BA10A}">
-      <p15:sldGuideLst xmlns:p15="http://schemas.microsoft.com/office/powerpoint/2012/main" xmlns="">
+      <p15:sldGuideLst xmlns:p15="http://schemas.microsoft.com/office/powerpoint/2012/main">
         <p15:guide id="1" orient="horz" pos="2160">
           <p15:clr>
             <a:srgbClr val="A4A3A4"/>
@@ -135,6 +138,444 @@
 
 <file path=ppt/revisionInfo.xml><?xml version="1.0" encoding="utf-8"?>
 <p1510:revInfo xmlns:a="http://schemas.openxmlformats.org/drawingml/2006/main" xmlns:r="http://schemas.openxmlformats.org/officeDocument/2006/relationships" xmlns:p1510="http://schemas.microsoft.com/office/powerpoint/2015/10/main"/>
+</file>
+
+<file path=ppt/notesMasters/notesMaster1.xml><?xml version="1.0" encoding="utf-8"?>
+<p:notesMaster xmlns:a="http://schemas.openxmlformats.org/drawingml/2006/main" xmlns:r="http://schemas.openxmlformats.org/officeDocument/2006/relationships" xmlns:p="http://schemas.openxmlformats.org/presentationml/2006/main">
+  <p:cSld>
+    <p:bg>
+      <p:bgRef idx="1001">
+        <a:schemeClr val="bg1"/>
+      </p:bgRef>
+    </p:bg>
+    <p:spTree>
+      <p:nvGrpSpPr>
+        <p:cNvPr id="1" name=""/>
+        <p:cNvGrpSpPr/>
+        <p:nvPr/>
+      </p:nvGrpSpPr>
+      <p:grpSpPr>
+        <a:xfrm>
+          <a:off x="0" y="0"/>
+          <a:ext cx="0" cy="0"/>
+          <a:chOff x="0" y="0"/>
+          <a:chExt cx="0" cy="0"/>
+        </a:xfrm>
+      </p:grpSpPr>
+      <p:sp>
+        <p:nvSpPr>
+          <p:cNvPr id="2" name="Header Placeholder 1"/>
+          <p:cNvSpPr>
+            <a:spLocks noGrp="1"/>
+          </p:cNvSpPr>
+          <p:nvPr>
+            <p:ph type="hdr" sz="quarter"/>
+          </p:nvPr>
+        </p:nvSpPr>
+        <p:spPr>
+          <a:xfrm>
+            <a:off x="0" y="0"/>
+            <a:ext cx="2971800" cy="458788"/>
+          </a:xfrm>
+          <a:prstGeom prst="rect">
+            <a:avLst/>
+          </a:prstGeom>
+        </p:spPr>
+        <p:txBody>
+          <a:bodyPr vert="horz" lIns="91440" tIns="45720" rIns="91440" bIns="45720" rtlCol="0"/>
+          <a:lstStyle>
+            <a:lvl1pPr algn="l">
+              <a:defRPr sz="1200"/>
+            </a:lvl1pPr>
+          </a:lstStyle>
+          <a:p>
+            <a:endParaRPr lang="en-GB"/>
+          </a:p>
+        </p:txBody>
+      </p:sp>
+      <p:sp>
+        <p:nvSpPr>
+          <p:cNvPr id="3" name="Date Placeholder 2"/>
+          <p:cNvSpPr>
+            <a:spLocks noGrp="1"/>
+          </p:cNvSpPr>
+          <p:nvPr>
+            <p:ph type="dt" idx="1"/>
+          </p:nvPr>
+        </p:nvSpPr>
+        <p:spPr>
+          <a:xfrm>
+            <a:off x="3884613" y="0"/>
+            <a:ext cx="2971800" cy="458788"/>
+          </a:xfrm>
+          <a:prstGeom prst="rect">
+            <a:avLst/>
+          </a:prstGeom>
+        </p:spPr>
+        <p:txBody>
+          <a:bodyPr vert="horz" lIns="91440" tIns="45720" rIns="91440" bIns="45720" rtlCol="0"/>
+          <a:lstStyle>
+            <a:lvl1pPr algn="r">
+              <a:defRPr sz="1200"/>
+            </a:lvl1pPr>
+          </a:lstStyle>
+          <a:p>
+            <a:fld id="{75BABC86-FEDF-472D-AB9E-F2C2CE3CCEF1}" type="datetimeFigureOut">
+              <a:rPr lang="en-GB" smtClean="0"/>
+              <a:t>07/02/2018</a:t>
+            </a:fld>
+            <a:endParaRPr lang="en-GB"/>
+          </a:p>
+        </p:txBody>
+      </p:sp>
+      <p:sp>
+        <p:nvSpPr>
+          <p:cNvPr id="4" name="Slide Image Placeholder 3"/>
+          <p:cNvSpPr>
+            <a:spLocks noGrp="1" noRot="1" noChangeAspect="1"/>
+          </p:cNvSpPr>
+          <p:nvPr>
+            <p:ph type="sldImg" idx="2"/>
+          </p:nvPr>
+        </p:nvSpPr>
+        <p:spPr>
+          <a:xfrm>
+            <a:off x="685800" y="1143000"/>
+            <a:ext cx="5486400" cy="3086100"/>
+          </a:xfrm>
+          <a:prstGeom prst="rect">
+            <a:avLst/>
+          </a:prstGeom>
+          <a:noFill/>
+          <a:ln w="12700">
+            <a:solidFill>
+              <a:prstClr val="black"/>
+            </a:solidFill>
+          </a:ln>
+        </p:spPr>
+        <p:txBody>
+          <a:bodyPr vert="horz" lIns="91440" tIns="45720" rIns="91440" bIns="45720" rtlCol="0" anchor="ctr"/>
+          <a:lstStyle/>
+          <a:p>
+            <a:endParaRPr lang="en-GB"/>
+          </a:p>
+        </p:txBody>
+      </p:sp>
+      <p:sp>
+        <p:nvSpPr>
+          <p:cNvPr id="5" name="Notes Placeholder 4"/>
+          <p:cNvSpPr>
+            <a:spLocks noGrp="1"/>
+          </p:cNvSpPr>
+          <p:nvPr>
+            <p:ph type="body" sz="quarter" idx="3"/>
+          </p:nvPr>
+        </p:nvSpPr>
+        <p:spPr>
+          <a:xfrm>
+            <a:off x="685800" y="4400550"/>
+            <a:ext cx="5486400" cy="3600450"/>
+          </a:xfrm>
+          <a:prstGeom prst="rect">
+            <a:avLst/>
+          </a:prstGeom>
+        </p:spPr>
+        <p:txBody>
+          <a:bodyPr vert="horz" lIns="91440" tIns="45720" rIns="91440" bIns="45720" rtlCol="0"/>
+          <a:lstStyle/>
+          <a:p>
+            <a:pPr lvl="0"/>
+            <a:r>
+              <a:rPr lang="en-US" smtClean="0"/>
+              <a:t>Edit Master text styles</a:t>
+            </a:r>
+          </a:p>
+          <a:p>
+            <a:pPr lvl="1"/>
+            <a:r>
+              <a:rPr lang="en-US" smtClean="0"/>
+              <a:t>Second level</a:t>
+            </a:r>
+          </a:p>
+          <a:p>
+            <a:pPr lvl="2"/>
+            <a:r>
+              <a:rPr lang="en-US" smtClean="0"/>
+              <a:t>Third level</a:t>
+            </a:r>
+          </a:p>
+          <a:p>
+            <a:pPr lvl="3"/>
+            <a:r>
+              <a:rPr lang="en-US" smtClean="0"/>
+              <a:t>Fourth level</a:t>
+            </a:r>
+          </a:p>
+          <a:p>
+            <a:pPr lvl="4"/>
+            <a:r>
+              <a:rPr lang="en-US" smtClean="0"/>
+              <a:t>Fifth level</a:t>
+            </a:r>
+            <a:endParaRPr lang="en-GB"/>
+          </a:p>
+        </p:txBody>
+      </p:sp>
+      <p:sp>
+        <p:nvSpPr>
+          <p:cNvPr id="6" name="Footer Placeholder 5"/>
+          <p:cNvSpPr>
+            <a:spLocks noGrp="1"/>
+          </p:cNvSpPr>
+          <p:nvPr>
+            <p:ph type="ftr" sz="quarter" idx="4"/>
+          </p:nvPr>
+        </p:nvSpPr>
+        <p:spPr>
+          <a:xfrm>
+            <a:off x="0" y="8685213"/>
+            <a:ext cx="2971800" cy="458787"/>
+          </a:xfrm>
+          <a:prstGeom prst="rect">
+            <a:avLst/>
+          </a:prstGeom>
+        </p:spPr>
+        <p:txBody>
+          <a:bodyPr vert="horz" lIns="91440" tIns="45720" rIns="91440" bIns="45720" rtlCol="0" anchor="b"/>
+          <a:lstStyle>
+            <a:lvl1pPr algn="l">
+              <a:defRPr sz="1200"/>
+            </a:lvl1pPr>
+          </a:lstStyle>
+          <a:p>
+            <a:endParaRPr lang="en-GB"/>
+          </a:p>
+        </p:txBody>
+      </p:sp>
+      <p:sp>
+        <p:nvSpPr>
+          <p:cNvPr id="7" name="Slide Number Placeholder 6"/>
+          <p:cNvSpPr>
+            <a:spLocks noGrp="1"/>
+          </p:cNvSpPr>
+          <p:nvPr>
+            <p:ph type="sldNum" sz="quarter" idx="5"/>
+          </p:nvPr>
+        </p:nvSpPr>
+        <p:spPr>
+          <a:xfrm>
+            <a:off x="3884613" y="8685213"/>
+            <a:ext cx="2971800" cy="458787"/>
+          </a:xfrm>
+          <a:prstGeom prst="rect">
+            <a:avLst/>
+          </a:prstGeom>
+        </p:spPr>
+        <p:txBody>
+          <a:bodyPr vert="horz" lIns="91440" tIns="45720" rIns="91440" bIns="45720" rtlCol="0" anchor="b"/>
+          <a:lstStyle>
+            <a:lvl1pPr algn="r">
+              <a:defRPr sz="1200"/>
+            </a:lvl1pPr>
+          </a:lstStyle>
+          <a:p>
+            <a:fld id="{F3829442-178F-41BD-BEA0-90B6665838ED}" type="slidenum">
+              <a:rPr lang="en-GB" smtClean="0"/>
+              <a:t>‹#›</a:t>
+            </a:fld>
+            <a:endParaRPr lang="en-GB"/>
+          </a:p>
+        </p:txBody>
+      </p:sp>
+    </p:spTree>
+    <p:extLst>
+      <p:ext uri="{BB962C8B-B14F-4D97-AF65-F5344CB8AC3E}">
+        <p14:creationId xmlns:p14="http://schemas.microsoft.com/office/powerpoint/2010/main" val="109798814"/>
+      </p:ext>
+    </p:extLst>
+  </p:cSld>
+  <p:clrMap bg1="lt1" tx1="dk1" bg2="lt2" tx2="dk2" accent1="accent1" accent2="accent2" accent3="accent3" accent4="accent4" accent5="accent5" accent6="accent6" hlink="hlink" folHlink="folHlink"/>
+  <p:notesStyle>
+    <a:lvl1pPr marL="0" algn="l" defTabSz="914400" rtl="0" eaLnBrk="1" latinLnBrk="0" hangingPunct="1">
+      <a:defRPr sz="1200" kern="1200">
+        <a:solidFill>
+          <a:schemeClr val="tx1"/>
+        </a:solidFill>
+        <a:latin typeface="+mn-lt"/>
+        <a:ea typeface="+mn-ea"/>
+        <a:cs typeface="+mn-cs"/>
+      </a:defRPr>
+    </a:lvl1pPr>
+    <a:lvl2pPr marL="457200" algn="l" defTabSz="914400" rtl="0" eaLnBrk="1" latinLnBrk="0" hangingPunct="1">
+      <a:defRPr sz="1200" kern="1200">
+        <a:solidFill>
+          <a:schemeClr val="tx1"/>
+        </a:solidFill>
+        <a:latin typeface="+mn-lt"/>
+        <a:ea typeface="+mn-ea"/>
+        <a:cs typeface="+mn-cs"/>
+      </a:defRPr>
+    </a:lvl2pPr>
+    <a:lvl3pPr marL="914400" algn="l" defTabSz="914400" rtl="0" eaLnBrk="1" latinLnBrk="0" hangingPunct="1">
+      <a:defRPr sz="1200" kern="1200">
+        <a:solidFill>
+          <a:schemeClr val="tx1"/>
+        </a:solidFill>
+        <a:latin typeface="+mn-lt"/>
+        <a:ea typeface="+mn-ea"/>
+        <a:cs typeface="+mn-cs"/>
+      </a:defRPr>
+    </a:lvl3pPr>
+    <a:lvl4pPr marL="1371600" algn="l" defTabSz="914400" rtl="0" eaLnBrk="1" latinLnBrk="0" hangingPunct="1">
+      <a:defRPr sz="1200" kern="1200">
+        <a:solidFill>
+          <a:schemeClr val="tx1"/>
+        </a:solidFill>
+        <a:latin typeface="+mn-lt"/>
+        <a:ea typeface="+mn-ea"/>
+        <a:cs typeface="+mn-cs"/>
+      </a:defRPr>
+    </a:lvl4pPr>
+    <a:lvl5pPr marL="1828800" algn="l" defTabSz="914400" rtl="0" eaLnBrk="1" latinLnBrk="0" hangingPunct="1">
+      <a:defRPr sz="1200" kern="1200">
+        <a:solidFill>
+          <a:schemeClr val="tx1"/>
+        </a:solidFill>
+        <a:latin typeface="+mn-lt"/>
+        <a:ea typeface="+mn-ea"/>
+        <a:cs typeface="+mn-cs"/>
+      </a:defRPr>
+    </a:lvl5pPr>
+    <a:lvl6pPr marL="2286000" algn="l" defTabSz="914400" rtl="0" eaLnBrk="1" latinLnBrk="0" hangingPunct="1">
+      <a:defRPr sz="1200" kern="1200">
+        <a:solidFill>
+          <a:schemeClr val="tx1"/>
+        </a:solidFill>
+        <a:latin typeface="+mn-lt"/>
+        <a:ea typeface="+mn-ea"/>
+        <a:cs typeface="+mn-cs"/>
+      </a:defRPr>
+    </a:lvl6pPr>
+    <a:lvl7pPr marL="2743200" algn="l" defTabSz="914400" rtl="0" eaLnBrk="1" latinLnBrk="0" hangingPunct="1">
+      <a:defRPr sz="1200" kern="1200">
+        <a:solidFill>
+          <a:schemeClr val="tx1"/>
+        </a:solidFill>
+        <a:latin typeface="+mn-lt"/>
+        <a:ea typeface="+mn-ea"/>
+        <a:cs typeface="+mn-cs"/>
+      </a:defRPr>
+    </a:lvl7pPr>
+    <a:lvl8pPr marL="3200400" algn="l" defTabSz="914400" rtl="0" eaLnBrk="1" latinLnBrk="0" hangingPunct="1">
+      <a:defRPr sz="1200" kern="1200">
+        <a:solidFill>
+          <a:schemeClr val="tx1"/>
+        </a:solidFill>
+        <a:latin typeface="+mn-lt"/>
+        <a:ea typeface="+mn-ea"/>
+        <a:cs typeface="+mn-cs"/>
+      </a:defRPr>
+    </a:lvl8pPr>
+    <a:lvl9pPr marL="3657600" algn="l" defTabSz="914400" rtl="0" eaLnBrk="1" latinLnBrk="0" hangingPunct="1">
+      <a:defRPr sz="1200" kern="1200">
+        <a:solidFill>
+          <a:schemeClr val="tx1"/>
+        </a:solidFill>
+        <a:latin typeface="+mn-lt"/>
+        <a:ea typeface="+mn-ea"/>
+        <a:cs typeface="+mn-cs"/>
+      </a:defRPr>
+    </a:lvl9pPr>
+  </p:notesStyle>
+</p:notesMaster>
+</file>
+
+<file path=ppt/notesSlides/notesSlide1.xml><?xml version="1.0" encoding="utf-8"?>
+<p:notes xmlns:a="http://schemas.openxmlformats.org/drawingml/2006/main" xmlns:r="http://schemas.openxmlformats.org/officeDocument/2006/relationships" xmlns:p="http://schemas.openxmlformats.org/presentationml/2006/main">
+  <p:cSld>
+    <p:spTree>
+      <p:nvGrpSpPr>
+        <p:cNvPr id="1" name=""/>
+        <p:cNvGrpSpPr/>
+        <p:nvPr/>
+      </p:nvGrpSpPr>
+      <p:grpSpPr>
+        <a:xfrm>
+          <a:off x="0" y="0"/>
+          <a:ext cx="0" cy="0"/>
+          <a:chOff x="0" y="0"/>
+          <a:chExt cx="0" cy="0"/>
+        </a:xfrm>
+      </p:grpSpPr>
+      <p:sp>
+        <p:nvSpPr>
+          <p:cNvPr id="2" name="Slide Image Placeholder 1"/>
+          <p:cNvSpPr>
+            <a:spLocks noGrp="1" noRot="1" noChangeAspect="1"/>
+          </p:cNvSpPr>
+          <p:nvPr>
+            <p:ph type="sldImg"/>
+          </p:nvPr>
+        </p:nvSpPr>
+        <p:spPr/>
+      </p:sp>
+      <p:sp>
+        <p:nvSpPr>
+          <p:cNvPr id="3" name="Notes Placeholder 2"/>
+          <p:cNvSpPr>
+            <a:spLocks noGrp="1"/>
+          </p:cNvSpPr>
+          <p:nvPr>
+            <p:ph type="body" idx="1"/>
+          </p:nvPr>
+        </p:nvSpPr>
+        <p:spPr/>
+        <p:txBody>
+          <a:bodyPr/>
+          <a:lstStyle/>
+          <a:p>
+            <a:r>
+              <a:rPr lang="en-GB" dirty="0" smtClean="0"/>
+              <a:t>  </a:t>
+            </a:r>
+            <a:endParaRPr lang="en-GB" dirty="0"/>
+          </a:p>
+        </p:txBody>
+      </p:sp>
+      <p:sp>
+        <p:nvSpPr>
+          <p:cNvPr id="4" name="Slide Number Placeholder 3"/>
+          <p:cNvSpPr>
+            <a:spLocks noGrp="1"/>
+          </p:cNvSpPr>
+          <p:nvPr>
+            <p:ph type="sldNum" sz="quarter" idx="10"/>
+          </p:nvPr>
+        </p:nvSpPr>
+        <p:spPr/>
+        <p:txBody>
+          <a:bodyPr/>
+          <a:lstStyle/>
+          <a:p>
+            <a:fld id="{F3829442-178F-41BD-BEA0-90B6665838ED}" type="slidenum">
+              <a:rPr lang="en-GB" smtClean="0"/>
+              <a:t>2</a:t>
+            </a:fld>
+            <a:endParaRPr lang="en-GB"/>
+          </a:p>
+        </p:txBody>
+      </p:sp>
+    </p:spTree>
+    <p:extLst>
+      <p:ext uri="{BB962C8B-B14F-4D97-AF65-F5344CB8AC3E}">
+        <p14:creationId xmlns:p14="http://schemas.microsoft.com/office/powerpoint/2010/main" val="3465818840"/>
+      </p:ext>
+    </p:extLst>
+  </p:cSld>
+  <p:clrMapOvr>
+    <a:masterClrMapping/>
+  </p:clrMapOvr>
+</p:notes>
 </file>
 
 <file path=ppt/slideLayouts/slideLayout1.xml><?xml version="1.0" encoding="utf-8"?>
@@ -700,7 +1141,7 @@
     </p:spTree>
     <p:extLst>
       <p:ext uri="{BB962C8B-B14F-4D97-AF65-F5344CB8AC3E}">
-        <p14:creationId xmlns:p14="http://schemas.microsoft.com/office/powerpoint/2010/main" xmlns="" val="4155446128"/>
+        <p14:creationId xmlns:p14="http://schemas.microsoft.com/office/powerpoint/2010/main" val="4155446128"/>
       </p:ext>
     </p:extLst>
   </p:cSld>
@@ -997,7 +1438,7 @@
     </p:spTree>
     <p:extLst>
       <p:ext uri="{BB962C8B-B14F-4D97-AF65-F5344CB8AC3E}">
-        <p14:creationId xmlns:p14="http://schemas.microsoft.com/office/powerpoint/2010/main" xmlns="" val="840361180"/>
+        <p14:creationId xmlns:p14="http://schemas.microsoft.com/office/powerpoint/2010/main" val="840361180"/>
       </p:ext>
     </p:extLst>
   </p:cSld>
@@ -1250,7 +1691,7 @@
     </p:spTree>
     <p:extLst>
       <p:ext uri="{BB962C8B-B14F-4D97-AF65-F5344CB8AC3E}">
-        <p14:creationId xmlns:p14="http://schemas.microsoft.com/office/powerpoint/2010/main" xmlns="" val="2181175934"/>
+        <p14:creationId xmlns:p14="http://schemas.microsoft.com/office/powerpoint/2010/main" val="2181175934"/>
       </p:ext>
     </p:extLst>
   </p:cSld>
@@ -1795,7 +2236,7 @@
     </p:spTree>
     <p:extLst>
       <p:ext uri="{BB962C8B-B14F-4D97-AF65-F5344CB8AC3E}">
-        <p14:creationId xmlns:p14="http://schemas.microsoft.com/office/powerpoint/2010/main" xmlns="" val="177440916"/>
+        <p14:creationId xmlns:p14="http://schemas.microsoft.com/office/powerpoint/2010/main" val="177440916"/>
       </p:ext>
     </p:extLst>
   </p:cSld>
@@ -2048,7 +2489,7 @@
     </p:spTree>
     <p:extLst>
       <p:ext uri="{BB962C8B-B14F-4D97-AF65-F5344CB8AC3E}">
-        <p14:creationId xmlns:p14="http://schemas.microsoft.com/office/powerpoint/2010/main" xmlns="" val="1888309637"/>
+        <p14:creationId xmlns:p14="http://schemas.microsoft.com/office/powerpoint/2010/main" val="1888309637"/>
       </p:ext>
     </p:extLst>
   </p:cSld>
@@ -2585,7 +3026,7 @@
     </p:spTree>
     <p:extLst>
       <p:ext uri="{BB962C8B-B14F-4D97-AF65-F5344CB8AC3E}">
-        <p14:creationId xmlns:p14="http://schemas.microsoft.com/office/powerpoint/2010/main" xmlns="" val="4149338326"/>
+        <p14:creationId xmlns:p14="http://schemas.microsoft.com/office/powerpoint/2010/main" val="4149338326"/>
       </p:ext>
     </p:extLst>
   </p:cSld>
@@ -2887,7 +3328,7 @@
     </p:spTree>
     <p:extLst>
       <p:ext uri="{BB962C8B-B14F-4D97-AF65-F5344CB8AC3E}">
-        <p14:creationId xmlns:p14="http://schemas.microsoft.com/office/powerpoint/2010/main" xmlns="" val="2912553532"/>
+        <p14:creationId xmlns:p14="http://schemas.microsoft.com/office/powerpoint/2010/main" val="2912553532"/>
       </p:ext>
     </p:extLst>
   </p:cSld>
@@ -3066,7 +3507,7 @@
     </p:spTree>
     <p:extLst>
       <p:ext uri="{BB962C8B-B14F-4D97-AF65-F5344CB8AC3E}">
-        <p14:creationId xmlns:p14="http://schemas.microsoft.com/office/powerpoint/2010/main" xmlns="" val="2210191264"/>
+        <p14:creationId xmlns:p14="http://schemas.microsoft.com/office/powerpoint/2010/main" val="2210191264"/>
       </p:ext>
     </p:extLst>
   </p:cSld>
@@ -3251,7 +3692,7 @@
     </p:spTree>
     <p:extLst>
       <p:ext uri="{BB962C8B-B14F-4D97-AF65-F5344CB8AC3E}">
-        <p14:creationId xmlns:p14="http://schemas.microsoft.com/office/powerpoint/2010/main" xmlns="" val="2841010170"/>
+        <p14:creationId xmlns:p14="http://schemas.microsoft.com/office/powerpoint/2010/main" val="2841010170"/>
       </p:ext>
     </p:extLst>
   </p:cSld>
@@ -3431,7 +3872,7 @@
     </p:spTree>
     <p:extLst>
       <p:ext uri="{BB962C8B-B14F-4D97-AF65-F5344CB8AC3E}">
-        <p14:creationId xmlns:p14="http://schemas.microsoft.com/office/powerpoint/2010/main" xmlns="" val="2635326632"/>
+        <p14:creationId xmlns:p14="http://schemas.microsoft.com/office/powerpoint/2010/main" val="2635326632"/>
       </p:ext>
     </p:extLst>
   </p:cSld>
@@ -3683,7 +4124,7 @@
     </p:spTree>
     <p:extLst>
       <p:ext uri="{BB962C8B-B14F-4D97-AF65-F5344CB8AC3E}">
-        <p14:creationId xmlns:p14="http://schemas.microsoft.com/office/powerpoint/2010/main" xmlns="" val="2676101457"/>
+        <p14:creationId xmlns:p14="http://schemas.microsoft.com/office/powerpoint/2010/main" val="2676101457"/>
       </p:ext>
     </p:extLst>
   </p:cSld>
@@ -3985,7 +4426,7 @@
     </p:spTree>
     <p:extLst>
       <p:ext uri="{BB962C8B-B14F-4D97-AF65-F5344CB8AC3E}">
-        <p14:creationId xmlns:p14="http://schemas.microsoft.com/office/powerpoint/2010/main" xmlns="" val="472373085"/>
+        <p14:creationId xmlns:p14="http://schemas.microsoft.com/office/powerpoint/2010/main" val="472373085"/>
       </p:ext>
     </p:extLst>
   </p:cSld>
@@ -4432,7 +4873,7 @@
     </p:spTree>
     <p:extLst>
       <p:ext uri="{BB962C8B-B14F-4D97-AF65-F5344CB8AC3E}">
-        <p14:creationId xmlns:p14="http://schemas.microsoft.com/office/powerpoint/2010/main" xmlns="" val="726964738"/>
+        <p14:creationId xmlns:p14="http://schemas.microsoft.com/office/powerpoint/2010/main" val="726964738"/>
       </p:ext>
     </p:extLst>
   </p:cSld>
@@ -4555,7 +4996,7 @@
     </p:spTree>
     <p:extLst>
       <p:ext uri="{BB962C8B-B14F-4D97-AF65-F5344CB8AC3E}">
-        <p14:creationId xmlns:p14="http://schemas.microsoft.com/office/powerpoint/2010/main" xmlns="" val="1311473053"/>
+        <p14:creationId xmlns:p14="http://schemas.microsoft.com/office/powerpoint/2010/main" val="1311473053"/>
       </p:ext>
     </p:extLst>
   </p:cSld>
@@ -4655,7 +5096,7 @@
     </p:spTree>
     <p:extLst>
       <p:ext uri="{BB962C8B-B14F-4D97-AF65-F5344CB8AC3E}">
-        <p14:creationId xmlns:p14="http://schemas.microsoft.com/office/powerpoint/2010/main" xmlns="" val="2335321030"/>
+        <p14:creationId xmlns:p14="http://schemas.microsoft.com/office/powerpoint/2010/main" val="2335321030"/>
       </p:ext>
     </p:extLst>
   </p:cSld>
@@ -4943,7 +5384,7 @@
     </p:spTree>
     <p:extLst>
       <p:ext uri="{BB962C8B-B14F-4D97-AF65-F5344CB8AC3E}">
-        <p14:creationId xmlns:p14="http://schemas.microsoft.com/office/powerpoint/2010/main" xmlns="" val="3096683163"/>
+        <p14:creationId xmlns:p14="http://schemas.microsoft.com/office/powerpoint/2010/main" val="3096683163"/>
       </p:ext>
     </p:extLst>
   </p:cSld>
@@ -5239,7 +5680,7 @@
     </p:spTree>
     <p:extLst>
       <p:ext uri="{BB962C8B-B14F-4D97-AF65-F5344CB8AC3E}">
-        <p14:creationId xmlns:p14="http://schemas.microsoft.com/office/powerpoint/2010/main" xmlns="" val="2056274303"/>
+        <p14:creationId xmlns:p14="http://schemas.microsoft.com/office/powerpoint/2010/main" val="2056274303"/>
       </p:ext>
     </p:extLst>
   </p:cSld>
@@ -5810,7 +6251,7 @@
     </p:spTree>
     <p:extLst>
       <p:ext uri="{BB962C8B-B14F-4D97-AF65-F5344CB8AC3E}">
-        <p14:creationId xmlns:p14="http://schemas.microsoft.com/office/powerpoint/2010/main" xmlns="" val="3628769583"/>
+        <p14:creationId xmlns:p14="http://schemas.microsoft.com/office/powerpoint/2010/main" val="3628769583"/>
       </p:ext>
     </p:extLst>
   </p:cSld>
@@ -6338,10 +6779,1320 @@
   <p:clrMapOvr>
     <a:masterClrMapping/>
   </p:clrMapOvr>
+  <p:timing>
+    <p:tnLst>
+      <p:par>
+        <p:cTn id="1" dur="indefinite" restart="never" nodeType="tmRoot"/>
+      </p:par>
+    </p:tnLst>
+  </p:timing>
 </p:sld>
 </file>
 
 <file path=ppt/slides/slide10.xml><?xml version="1.0" encoding="utf-8"?>
+<p:sld xmlns:a="http://schemas.openxmlformats.org/drawingml/2006/main" xmlns:r="http://schemas.openxmlformats.org/officeDocument/2006/relationships" xmlns:p="http://schemas.openxmlformats.org/presentationml/2006/main">
+  <p:cSld>
+    <p:spTree>
+      <p:nvGrpSpPr>
+        <p:cNvPr id="1" name=""/>
+        <p:cNvGrpSpPr/>
+        <p:nvPr/>
+      </p:nvGrpSpPr>
+      <p:grpSpPr>
+        <a:xfrm>
+          <a:off x="0" y="0"/>
+          <a:ext cx="0" cy="0"/>
+          <a:chOff x="0" y="0"/>
+          <a:chExt cx="0" cy="0"/>
+        </a:xfrm>
+      </p:grpSpPr>
+      <p:sp>
+        <p:nvSpPr>
+          <p:cNvPr id="2" name="Title 1"/>
+          <p:cNvSpPr>
+            <a:spLocks noGrp="1"/>
+          </p:cNvSpPr>
+          <p:nvPr>
+            <p:ph type="title"/>
+          </p:nvPr>
+        </p:nvSpPr>
+        <p:spPr/>
+        <p:txBody>
+          <a:bodyPr/>
+          <a:lstStyle/>
+          <a:p>
+            <a:r>
+              <a:rPr lang="en-GB" dirty="0"/>
+              <a:t>Theme</a:t>
+            </a:r>
+          </a:p>
+        </p:txBody>
+      </p:sp>
+      <p:sp>
+        <p:nvSpPr>
+          <p:cNvPr id="3" name="Content Placeholder 2"/>
+          <p:cNvSpPr>
+            <a:spLocks noGrp="1"/>
+          </p:cNvSpPr>
+          <p:nvPr>
+            <p:ph idx="1"/>
+          </p:nvPr>
+        </p:nvSpPr>
+        <p:spPr>
+          <a:xfrm>
+            <a:off x="1484310" y="2227052"/>
+            <a:ext cx="10018713" cy="3124201"/>
+          </a:xfrm>
+        </p:spPr>
+        <p:txBody>
+          <a:bodyPr/>
+          <a:lstStyle/>
+          <a:p>
+            <a:r>
+              <a:rPr lang="en-GB" dirty="0" smtClean="0"/>
+              <a:t>Food</a:t>
+            </a:r>
+            <a:endParaRPr lang="en-GB" dirty="0"/>
+          </a:p>
+          <a:p>
+            <a:pPr lvl="1"/>
+            <a:r>
+              <a:rPr lang="en-GB" dirty="0" smtClean="0"/>
+              <a:t>Appropriate for the demographic.</a:t>
+            </a:r>
+          </a:p>
+          <a:p>
+            <a:pPr lvl="1"/>
+            <a:r>
+              <a:rPr lang="en-GB" dirty="0" smtClean="0"/>
+              <a:t>Flexible to work with. </a:t>
+            </a:r>
+          </a:p>
+          <a:p>
+            <a:pPr lvl="1"/>
+            <a:r>
+              <a:rPr lang="en-GB" dirty="0" smtClean="0"/>
+              <a:t>Exaggarated for comedic purposes.</a:t>
+            </a:r>
+          </a:p>
+        </p:txBody>
+      </p:sp>
+    </p:spTree>
+    <p:extLst>
+      <p:ext uri="{BB962C8B-B14F-4D97-AF65-F5344CB8AC3E}">
+        <p14:creationId xmlns:p14="http://schemas.microsoft.com/office/powerpoint/2010/main" val="2104855039"/>
+      </p:ext>
+    </p:extLst>
+  </p:cSld>
+  <p:clrMapOvr>
+    <a:masterClrMapping/>
+  </p:clrMapOvr>
+  <p:timing>
+    <p:tnLst>
+      <p:par>
+        <p:cTn id="1" dur="indefinite" restart="never" nodeType="tmRoot"/>
+      </p:par>
+    </p:tnLst>
+  </p:timing>
+</p:sld>
+</file>
+
+<file path=ppt/slides/slide11.xml><?xml version="1.0" encoding="utf-8"?>
+<p:sld xmlns:a="http://schemas.openxmlformats.org/drawingml/2006/main" xmlns:r="http://schemas.openxmlformats.org/officeDocument/2006/relationships" xmlns:p="http://schemas.openxmlformats.org/presentationml/2006/main">
+  <p:cSld>
+    <p:spTree>
+      <p:nvGrpSpPr>
+        <p:cNvPr id="1" name=""/>
+        <p:cNvGrpSpPr/>
+        <p:nvPr/>
+      </p:nvGrpSpPr>
+      <p:grpSpPr>
+        <a:xfrm>
+          <a:off x="0" y="0"/>
+          <a:ext cx="0" cy="0"/>
+          <a:chOff x="0" y="0"/>
+          <a:chExt cx="0" cy="0"/>
+        </a:xfrm>
+      </p:grpSpPr>
+      <p:sp>
+        <p:nvSpPr>
+          <p:cNvPr id="2" name="Title 1"/>
+          <p:cNvSpPr>
+            <a:spLocks noGrp="1"/>
+          </p:cNvSpPr>
+          <p:nvPr>
+            <p:ph type="title"/>
+          </p:nvPr>
+        </p:nvSpPr>
+        <p:spPr>
+          <a:xfrm>
+            <a:off x="4608683" y="2813341"/>
+            <a:ext cx="2974634" cy="1231318"/>
+          </a:xfrm>
+        </p:spPr>
+        <p:txBody>
+          <a:bodyPr/>
+          <a:lstStyle/>
+          <a:p>
+            <a:pPr algn="ctr"/>
+            <a:r>
+              <a:rPr lang="en-GB" dirty="0"/>
+              <a:t>Questions?</a:t>
+            </a:r>
+          </a:p>
+        </p:txBody>
+      </p:sp>
+    </p:spTree>
+    <p:extLst>
+      <p:ext uri="{BB962C8B-B14F-4D97-AF65-F5344CB8AC3E}">
+        <p14:creationId xmlns:p14="http://schemas.microsoft.com/office/powerpoint/2010/main" val="3873436708"/>
+      </p:ext>
+    </p:extLst>
+  </p:cSld>
+  <p:clrMapOvr>
+    <a:masterClrMapping/>
+  </p:clrMapOvr>
+  <p:timing>
+    <p:tnLst>
+      <p:par>
+        <p:cTn id="1" dur="indefinite" restart="never" nodeType="tmRoot"/>
+      </p:par>
+    </p:tnLst>
+  </p:timing>
+</p:sld>
+</file>
+
+<file path=ppt/slides/slide2.xml><?xml version="1.0" encoding="utf-8"?>
+<p:sld xmlns:a="http://schemas.openxmlformats.org/drawingml/2006/main" xmlns:r="http://schemas.openxmlformats.org/officeDocument/2006/relationships" xmlns:p="http://schemas.openxmlformats.org/presentationml/2006/main">
+  <p:cSld>
+    <p:spTree>
+      <p:nvGrpSpPr>
+        <p:cNvPr id="1" name=""/>
+        <p:cNvGrpSpPr/>
+        <p:nvPr/>
+      </p:nvGrpSpPr>
+      <p:grpSpPr>
+        <a:xfrm>
+          <a:off x="0" y="0"/>
+          <a:ext cx="0" cy="0"/>
+          <a:chOff x="0" y="0"/>
+          <a:chExt cx="0" cy="0"/>
+        </a:xfrm>
+      </p:grpSpPr>
+      <p:sp>
+        <p:nvSpPr>
+          <p:cNvPr id="2" name="Title 1">
+            <a:extLst>
+              <a:ext uri="{FF2B5EF4-FFF2-40B4-BE49-F238E27FC236}">
+                <a16:creationId xmlns:a16="http://schemas.microsoft.com/office/drawing/2014/main" id="{1E8861EB-A5E0-478D-9884-160BC60078BC}"/>
+              </a:ext>
+            </a:extLst>
+          </p:cNvPr>
+          <p:cNvSpPr>
+            <a:spLocks noGrp="1"/>
+          </p:cNvSpPr>
+          <p:nvPr>
+            <p:ph type="title"/>
+          </p:nvPr>
+        </p:nvSpPr>
+        <p:spPr/>
+        <p:txBody>
+          <a:bodyPr/>
+          <a:lstStyle/>
+          <a:p>
+            <a:r>
+              <a:rPr lang="en-GB" dirty="0"/>
+              <a:t>The Brief</a:t>
+            </a:r>
+          </a:p>
+        </p:txBody>
+      </p:sp>
+      <p:sp>
+        <p:nvSpPr>
+          <p:cNvPr id="3" name="Content Placeholder 2">
+            <a:extLst>
+              <a:ext uri="{FF2B5EF4-FFF2-40B4-BE49-F238E27FC236}">
+                <a16:creationId xmlns:a16="http://schemas.microsoft.com/office/drawing/2014/main" id="{7758E024-986F-427E-9B25-CB481A68D9F3}"/>
+              </a:ext>
+            </a:extLst>
+          </p:cNvPr>
+          <p:cNvSpPr>
+            <a:spLocks noGrp="1"/>
+          </p:cNvSpPr>
+          <p:nvPr>
+            <p:ph idx="1"/>
+          </p:nvPr>
+        </p:nvSpPr>
+        <p:spPr/>
+        <p:txBody>
+          <a:bodyPr/>
+          <a:lstStyle/>
+          <a:p>
+            <a:r>
+              <a:rPr lang="en-GB" dirty="0"/>
+              <a:t>2D Game</a:t>
+            </a:r>
+          </a:p>
+          <a:p>
+            <a:r>
+              <a:rPr lang="en-GB" dirty="0"/>
+              <a:t>One Tap Mechanic</a:t>
+            </a:r>
+          </a:p>
+          <a:p>
+            <a:r>
+              <a:rPr lang="en-GB" dirty="0"/>
+              <a:t>Casual Gamers</a:t>
+            </a:r>
+          </a:p>
+          <a:p>
+            <a:r>
+              <a:rPr lang="en-GB" dirty="0"/>
+              <a:t>Turn based</a:t>
+            </a:r>
+          </a:p>
+          <a:p>
+            <a:r>
+              <a:rPr lang="en-GB" dirty="0" smtClean="0"/>
+              <a:t>Feedback</a:t>
+            </a:r>
+            <a:endParaRPr lang="en-GB" dirty="0"/>
+          </a:p>
+        </p:txBody>
+      </p:sp>
+    </p:spTree>
+    <p:extLst>
+      <p:ext uri="{BB962C8B-B14F-4D97-AF65-F5344CB8AC3E}">
+        <p14:creationId xmlns:p14="http://schemas.microsoft.com/office/powerpoint/2010/main" val="155911683"/>
+      </p:ext>
+    </p:extLst>
+  </p:cSld>
+  <p:clrMapOvr>
+    <a:masterClrMapping/>
+  </p:clrMapOvr>
+  <p:timing>
+    <p:tnLst>
+      <p:par>
+        <p:cTn id="1" dur="indefinite" restart="never" nodeType="tmRoot"/>
+      </p:par>
+    </p:tnLst>
+  </p:timing>
+</p:sld>
+</file>
+
+<file path=ppt/slides/slide3.xml><?xml version="1.0" encoding="utf-8"?>
+<p:sld xmlns:a="http://schemas.openxmlformats.org/drawingml/2006/main" xmlns:r="http://schemas.openxmlformats.org/officeDocument/2006/relationships" xmlns:p="http://schemas.openxmlformats.org/presentationml/2006/main">
+  <p:cSld name="Slide2">
+    <p:spTree>
+      <p:nvGrpSpPr>
+        <p:cNvPr id="1" name=""/>
+        <p:cNvGrpSpPr/>
+        <p:nvPr/>
+      </p:nvGrpSpPr>
+      <p:grpSpPr>
+        <a:xfrm>
+          <a:off x="0" y="0"/>
+          <a:ext cx="0" cy="0"/>
+          <a:chOff x="0" y="0"/>
+          <a:chExt cx="0" cy="0"/>
+        </a:xfrm>
+      </p:grpSpPr>
+      <p:sp>
+        <p:nvSpPr>
+          <p:cNvPr id="2" name="Title 1"/>
+          <p:cNvSpPr txBox="1">
+            <a:spLocks noGrp="1"/>
+          </p:cNvSpPr>
+          <p:nvPr>
+            <p:ph type="title"/>
+          </p:nvPr>
+        </p:nvSpPr>
+        <p:spPr>
+          <a:xfrm>
+            <a:off x="1518817" y="0"/>
+            <a:ext cx="10018713" cy="1752599"/>
+          </a:xfrm>
+        </p:spPr>
+        <p:txBody>
+          <a:bodyPr/>
+          <a:lstStyle/>
+          <a:p>
+            <a:r>
+              <a:rPr lang="en-GB" dirty="0"/>
+              <a:t>Research</a:t>
+            </a:r>
+          </a:p>
+        </p:txBody>
+      </p:sp>
+      <p:sp>
+        <p:nvSpPr>
+          <p:cNvPr id="3" name="Content Placeholder 2"/>
+          <p:cNvSpPr txBox="1">
+            <a:spLocks noGrp="1"/>
+          </p:cNvSpPr>
+          <p:nvPr>
+            <p:ph idx="1"/>
+          </p:nvPr>
+        </p:nvSpPr>
+        <p:spPr>
+          <a:xfrm>
+            <a:off x="1484310" y="1580071"/>
+            <a:ext cx="6106935" cy="4415287"/>
+          </a:xfrm>
+        </p:spPr>
+        <p:txBody>
+          <a:bodyPr>
+            <a:normAutofit/>
+          </a:bodyPr>
+          <a:lstStyle/>
+          <a:p>
+            <a:r>
+              <a:rPr lang="en-GB" dirty="0" smtClean="0"/>
+              <a:t>Clarity of layout.</a:t>
+            </a:r>
+          </a:p>
+          <a:p>
+            <a:r>
+              <a:rPr lang="en-GB" dirty="0" smtClean="0"/>
+              <a:t>Simplicity.</a:t>
+            </a:r>
+          </a:p>
+          <a:p>
+            <a:r>
+              <a:rPr lang="en-GB" dirty="0" smtClean="0"/>
+              <a:t>Gratification.</a:t>
+            </a:r>
+          </a:p>
+        </p:txBody>
+      </p:sp>
+      <p:pic>
+        <p:nvPicPr>
+          <p:cNvPr id="3074" name="Picture 2" descr="C:\Users\Games\Desktop\screen07_1.jpg"/>
+          <p:cNvPicPr>
+            <a:picLocks noChangeAspect="1" noChangeArrowheads="1"/>
+          </p:cNvPicPr>
+          <p:nvPr/>
+        </p:nvPicPr>
+        <p:blipFill>
+          <a:blip r:embed="rId2" cstate="print"/>
+          <a:srcRect/>
+          <a:stretch>
+            <a:fillRect/>
+          </a:stretch>
+        </p:blipFill>
+        <p:spPr bwMode="auto">
+          <a:xfrm>
+            <a:off x="7781027" y="1523857"/>
+            <a:ext cx="3936674" cy="2214379"/>
+          </a:xfrm>
+          <a:prstGeom prst="rect">
+            <a:avLst/>
+          </a:prstGeom>
+          <a:noFill/>
+          <a:ln>
+            <a:solidFill>
+              <a:schemeClr val="tx1"/>
+            </a:solidFill>
+          </a:ln>
+        </p:spPr>
+      </p:pic>
+      <p:sp>
+        <p:nvSpPr>
+          <p:cNvPr id="5" name="TextBox 4"/>
+          <p:cNvSpPr txBox="1"/>
+          <p:nvPr/>
+        </p:nvSpPr>
+        <p:spPr>
+          <a:xfrm>
+            <a:off x="7781027" y="3752491"/>
+            <a:ext cx="3942271" cy="261610"/>
+          </a:xfrm>
+          <a:prstGeom prst="rect">
+            <a:avLst/>
+          </a:prstGeom>
+          <a:noFill/>
+        </p:spPr>
+        <p:txBody>
+          <a:bodyPr wrap="square" rtlCol="0">
+            <a:spAutoFit/>
+          </a:bodyPr>
+          <a:lstStyle/>
+          <a:p>
+            <a:pPr algn="ctr"/>
+            <a:r>
+              <a:rPr lang="en-GB" sz="1100" dirty="0" smtClean="0"/>
+              <a:t>Tower of Babel</a:t>
+            </a:r>
+            <a:endParaRPr lang="en-GB" sz="1100" dirty="0"/>
+          </a:p>
+        </p:txBody>
+      </p:sp>
+      <p:pic>
+        <p:nvPicPr>
+          <p:cNvPr id="3075" name="Picture 3" descr="C:\Users\Games\Desktop\One-More-Line.jpg"/>
+          <p:cNvPicPr>
+            <a:picLocks noChangeAspect="1" noChangeArrowheads="1"/>
+          </p:cNvPicPr>
+          <p:nvPr/>
+        </p:nvPicPr>
+        <p:blipFill>
+          <a:blip r:embed="rId3" cstate="print"/>
+          <a:srcRect l="26495" r="24591"/>
+          <a:stretch>
+            <a:fillRect/>
+          </a:stretch>
+        </p:blipFill>
+        <p:spPr bwMode="auto">
+          <a:xfrm>
+            <a:off x="8013939" y="4164582"/>
+            <a:ext cx="1884571" cy="2167207"/>
+          </a:xfrm>
+          <a:prstGeom prst="rect">
+            <a:avLst/>
+          </a:prstGeom>
+          <a:noFill/>
+          <a:ln>
+            <a:solidFill>
+              <a:schemeClr val="tx1"/>
+            </a:solidFill>
+          </a:ln>
+        </p:spPr>
+      </p:pic>
+      <p:sp>
+        <p:nvSpPr>
+          <p:cNvPr id="7" name="TextBox 6"/>
+          <p:cNvSpPr txBox="1"/>
+          <p:nvPr/>
+        </p:nvSpPr>
+        <p:spPr>
+          <a:xfrm>
+            <a:off x="7985183" y="6337538"/>
+            <a:ext cx="1917941" cy="261610"/>
+          </a:xfrm>
+          <a:prstGeom prst="rect">
+            <a:avLst/>
+          </a:prstGeom>
+          <a:noFill/>
+        </p:spPr>
+        <p:txBody>
+          <a:bodyPr wrap="square" rtlCol="0">
+            <a:spAutoFit/>
+          </a:bodyPr>
+          <a:lstStyle/>
+          <a:p>
+            <a:pPr algn="ctr"/>
+            <a:r>
+              <a:rPr lang="en-GB" sz="1100" dirty="0" smtClean="0"/>
+              <a:t>One More Line</a:t>
+            </a:r>
+            <a:endParaRPr lang="en-GB" sz="1100" dirty="0"/>
+          </a:p>
+        </p:txBody>
+      </p:sp>
+      <p:pic>
+        <p:nvPicPr>
+          <p:cNvPr id="3076" name="Picture 4" descr="C:\Users\Games\Desktop\leap-day-ios-1.jpg"/>
+          <p:cNvPicPr>
+            <a:picLocks noChangeAspect="1" noChangeArrowheads="1"/>
+          </p:cNvPicPr>
+          <p:nvPr/>
+        </p:nvPicPr>
+        <p:blipFill>
+          <a:blip r:embed="rId4" cstate="print"/>
+          <a:srcRect/>
+          <a:stretch>
+            <a:fillRect/>
+          </a:stretch>
+        </p:blipFill>
+        <p:spPr bwMode="auto">
+          <a:xfrm>
+            <a:off x="10127411" y="4150010"/>
+            <a:ext cx="1224950" cy="2180411"/>
+          </a:xfrm>
+          <a:prstGeom prst="rect">
+            <a:avLst/>
+          </a:prstGeom>
+          <a:noFill/>
+          <a:ln>
+            <a:solidFill>
+              <a:schemeClr val="tx1"/>
+            </a:solidFill>
+          </a:ln>
+        </p:spPr>
+      </p:pic>
+      <p:sp>
+        <p:nvSpPr>
+          <p:cNvPr id="9" name="TextBox 8"/>
+          <p:cNvSpPr txBox="1"/>
+          <p:nvPr/>
+        </p:nvSpPr>
+        <p:spPr>
+          <a:xfrm>
+            <a:off x="10095780" y="6351915"/>
+            <a:ext cx="1265209" cy="261610"/>
+          </a:xfrm>
+          <a:prstGeom prst="rect">
+            <a:avLst/>
+          </a:prstGeom>
+          <a:noFill/>
+        </p:spPr>
+        <p:txBody>
+          <a:bodyPr wrap="square" rtlCol="0">
+            <a:spAutoFit/>
+          </a:bodyPr>
+          <a:lstStyle/>
+          <a:p>
+            <a:pPr algn="ctr"/>
+            <a:r>
+              <a:rPr lang="en-GB" sz="1100" dirty="0" smtClean="0"/>
+              <a:t>Leap Day</a:t>
+            </a:r>
+            <a:endParaRPr lang="en-GB" sz="1100" dirty="0"/>
+          </a:p>
+        </p:txBody>
+      </p:sp>
+    </p:spTree>
+  </p:cSld>
+  <p:clrMapOvr>
+    <a:masterClrMapping/>
+  </p:clrMapOvr>
+  <p:timing>
+    <p:tnLst>
+      <p:par>
+        <p:cTn id="1" dur="indefinite" restart="never" nodeType="tmRoot"/>
+      </p:par>
+    </p:tnLst>
+  </p:timing>
+</p:sld>
+</file>
+
+<file path=ppt/slides/slide4.xml><?xml version="1.0" encoding="utf-8"?>
+<p:sld xmlns:a="http://schemas.openxmlformats.org/drawingml/2006/main" xmlns:r="http://schemas.openxmlformats.org/officeDocument/2006/relationships" xmlns:p="http://schemas.openxmlformats.org/presentationml/2006/main">
+  <p:cSld>
+    <p:spTree>
+      <p:nvGrpSpPr>
+        <p:cNvPr id="1" name=""/>
+        <p:cNvGrpSpPr/>
+        <p:nvPr/>
+      </p:nvGrpSpPr>
+      <p:grpSpPr>
+        <a:xfrm>
+          <a:off x="0" y="0"/>
+          <a:ext cx="0" cy="0"/>
+          <a:chOff x="0" y="0"/>
+          <a:chExt cx="0" cy="0"/>
+        </a:xfrm>
+      </p:grpSpPr>
+      <p:sp>
+        <p:nvSpPr>
+          <p:cNvPr id="2" name="Title 1"/>
+          <p:cNvSpPr>
+            <a:spLocks noGrp="1"/>
+          </p:cNvSpPr>
+          <p:nvPr>
+            <p:ph type="title"/>
+          </p:nvPr>
+        </p:nvSpPr>
+        <p:spPr/>
+        <p:txBody>
+          <a:bodyPr/>
+          <a:lstStyle/>
+          <a:p>
+            <a:r>
+              <a:rPr lang="en-GB" dirty="0"/>
+              <a:t>Demographic</a:t>
+            </a:r>
+          </a:p>
+        </p:txBody>
+      </p:sp>
+      <p:sp>
+        <p:nvSpPr>
+          <p:cNvPr id="3" name="Content Placeholder 2"/>
+          <p:cNvSpPr>
+            <a:spLocks noGrp="1"/>
+          </p:cNvSpPr>
+          <p:nvPr>
+            <p:ph idx="1"/>
+          </p:nvPr>
+        </p:nvSpPr>
+        <p:spPr>
+          <a:xfrm>
+            <a:off x="1484311" y="2666999"/>
+            <a:ext cx="10018713" cy="3124201"/>
+          </a:xfrm>
+        </p:spPr>
+        <p:txBody>
+          <a:bodyPr/>
+          <a:lstStyle/>
+          <a:p>
+            <a:r>
+              <a:rPr lang="en-GB" dirty="0"/>
+              <a:t>Age </a:t>
+            </a:r>
+            <a:r>
+              <a:rPr lang="en-GB" dirty="0" smtClean="0"/>
+              <a:t>Group (10 – 18)</a:t>
+            </a:r>
+            <a:endParaRPr lang="en-GB" dirty="0"/>
+          </a:p>
+          <a:p>
+            <a:r>
+              <a:rPr lang="en-GB" dirty="0" smtClean="0"/>
+              <a:t>Gender (male)</a:t>
+            </a:r>
+            <a:endParaRPr lang="en-GB" dirty="0"/>
+          </a:p>
+          <a:p>
+            <a:r>
+              <a:rPr lang="en-GB" dirty="0" smtClean="0"/>
+              <a:t>Psychographics (achievers)</a:t>
+            </a:r>
+          </a:p>
+          <a:p>
+            <a:r>
+              <a:rPr lang="en-GB" dirty="0" smtClean="0"/>
+              <a:t>Competition</a:t>
+            </a:r>
+            <a:endParaRPr lang="en-GB" dirty="0"/>
+          </a:p>
+        </p:txBody>
+      </p:sp>
+    </p:spTree>
+    <p:extLst>
+      <p:ext uri="{BB962C8B-B14F-4D97-AF65-F5344CB8AC3E}">
+        <p14:creationId xmlns:p14="http://schemas.microsoft.com/office/powerpoint/2010/main" val="3053552553"/>
+      </p:ext>
+    </p:extLst>
+  </p:cSld>
+  <p:clrMapOvr>
+    <a:masterClrMapping/>
+  </p:clrMapOvr>
+  <p:timing>
+    <p:tnLst>
+      <p:par>
+        <p:cTn id="1" dur="indefinite" restart="never" nodeType="tmRoot"/>
+      </p:par>
+    </p:tnLst>
+  </p:timing>
+</p:sld>
+</file>
+
+<file path=ppt/slides/slide5.xml><?xml version="1.0" encoding="utf-8"?>
+<p:sld xmlns:a="http://schemas.openxmlformats.org/drawingml/2006/main" xmlns:r="http://schemas.openxmlformats.org/officeDocument/2006/relationships" xmlns:p="http://schemas.openxmlformats.org/presentationml/2006/main">
+  <p:cSld>
+    <p:spTree>
+      <p:nvGrpSpPr>
+        <p:cNvPr id="1" name=""/>
+        <p:cNvGrpSpPr/>
+        <p:nvPr/>
+      </p:nvGrpSpPr>
+      <p:grpSpPr>
+        <a:xfrm>
+          <a:off x="0" y="0"/>
+          <a:ext cx="0" cy="0"/>
+          <a:chOff x="0" y="0"/>
+          <a:chExt cx="0" cy="0"/>
+        </a:xfrm>
+      </p:grpSpPr>
+      <p:sp>
+        <p:nvSpPr>
+          <p:cNvPr id="2" name="Title 1">
+            <a:extLst>
+              <a:ext uri="{FF2B5EF4-FFF2-40B4-BE49-F238E27FC236}">
+                <a16:creationId xmlns:a16="http://schemas.microsoft.com/office/drawing/2014/main" id="{78161224-D0AC-40C2-B289-8552D5A386B9}"/>
+              </a:ext>
+            </a:extLst>
+          </p:cNvPr>
+          <p:cNvSpPr>
+            <a:spLocks noGrp="1"/>
+          </p:cNvSpPr>
+          <p:nvPr>
+            <p:ph type="title"/>
+          </p:nvPr>
+        </p:nvSpPr>
+        <p:spPr/>
+        <p:txBody>
+          <a:bodyPr/>
+          <a:lstStyle/>
+          <a:p>
+            <a:r>
+              <a:rPr lang="en-GB" dirty="0"/>
+              <a:t>Game Ideas</a:t>
+            </a:r>
+          </a:p>
+        </p:txBody>
+      </p:sp>
+      <p:sp>
+        <p:nvSpPr>
+          <p:cNvPr id="3" name="Content Placeholder 2">
+            <a:extLst>
+              <a:ext uri="{FF2B5EF4-FFF2-40B4-BE49-F238E27FC236}">
+                <a16:creationId xmlns:a16="http://schemas.microsoft.com/office/drawing/2014/main" id="{925B9804-CD7A-4A25-A514-E2C529CE3030}"/>
+              </a:ext>
+            </a:extLst>
+          </p:cNvPr>
+          <p:cNvSpPr>
+            <a:spLocks noGrp="1"/>
+          </p:cNvSpPr>
+          <p:nvPr>
+            <p:ph idx="1"/>
+          </p:nvPr>
+        </p:nvSpPr>
+        <p:spPr>
+          <a:xfrm>
+            <a:off x="1484310" y="2165230"/>
+            <a:ext cx="10018713" cy="3625971"/>
+          </a:xfrm>
+        </p:spPr>
+        <p:txBody>
+          <a:bodyPr/>
+          <a:lstStyle/>
+          <a:p>
+            <a:r>
+              <a:rPr lang="en-GB" dirty="0"/>
+              <a:t>Pendulum Swing</a:t>
+            </a:r>
+          </a:p>
+          <a:p>
+            <a:pPr marL="0" indent="0">
+              <a:buNone/>
+            </a:pPr>
+            <a:r>
+              <a:rPr lang="en-GB" dirty="0"/>
+              <a:t>	- Symmetric. Simple rules. </a:t>
+            </a:r>
+          </a:p>
+          <a:p>
+            <a:pPr marL="0" indent="0">
+              <a:buNone/>
+            </a:pPr>
+            <a:r>
+              <a:rPr lang="en-GB" dirty="0"/>
+              <a:t>	- Not within the demographics. </a:t>
+            </a:r>
+            <a:endParaRPr lang="en-GB" dirty="0" smtClean="0"/>
+          </a:p>
+          <a:p>
+            <a:r>
+              <a:rPr lang="en-GB" dirty="0" smtClean="0"/>
+              <a:t>Communication </a:t>
+            </a:r>
+            <a:r>
+              <a:rPr lang="en-GB" dirty="0"/>
+              <a:t>Lines</a:t>
+            </a:r>
+          </a:p>
+          <a:p>
+            <a:pPr marL="0" indent="0">
+              <a:buNone/>
+            </a:pPr>
+            <a:r>
+              <a:rPr lang="en-GB" dirty="0"/>
+              <a:t>	- </a:t>
+            </a:r>
+            <a:r>
+              <a:rPr lang="en-GB" dirty="0" smtClean="0"/>
+              <a:t>Symmetric. Element of competition.</a:t>
+            </a:r>
+          </a:p>
+          <a:p>
+            <a:pPr marL="0" indent="0">
+              <a:buNone/>
+            </a:pPr>
+            <a:r>
+              <a:rPr lang="en-GB" dirty="0" smtClean="0"/>
+              <a:t>	- No rewards. Hard to play on single device.</a:t>
+            </a:r>
+            <a:endParaRPr lang="en-GB" dirty="0"/>
+          </a:p>
+        </p:txBody>
+      </p:sp>
+    </p:spTree>
+    <p:extLst>
+      <p:ext uri="{BB962C8B-B14F-4D97-AF65-F5344CB8AC3E}">
+        <p14:creationId xmlns:p14="http://schemas.microsoft.com/office/powerpoint/2010/main" val="3961623385"/>
+      </p:ext>
+    </p:extLst>
+  </p:cSld>
+  <p:clrMapOvr>
+    <a:masterClrMapping/>
+  </p:clrMapOvr>
+  <p:timing>
+    <p:tnLst>
+      <p:par>
+        <p:cTn id="1" dur="indefinite" restart="never" nodeType="tmRoot"/>
+      </p:par>
+    </p:tnLst>
+  </p:timing>
+</p:sld>
+</file>
+
+<file path=ppt/slides/slide6.xml><?xml version="1.0" encoding="utf-8"?>
+<p:sld xmlns:a="http://schemas.openxmlformats.org/drawingml/2006/main" xmlns:r="http://schemas.openxmlformats.org/officeDocument/2006/relationships" xmlns:p="http://schemas.openxmlformats.org/presentationml/2006/main">
+  <p:cSld>
+    <p:spTree>
+      <p:nvGrpSpPr>
+        <p:cNvPr id="1" name=""/>
+        <p:cNvGrpSpPr/>
+        <p:nvPr/>
+      </p:nvGrpSpPr>
+      <p:grpSpPr>
+        <a:xfrm>
+          <a:off x="0" y="0"/>
+          <a:ext cx="0" cy="0"/>
+          <a:chOff x="0" y="0"/>
+          <a:chExt cx="0" cy="0"/>
+        </a:xfrm>
+      </p:grpSpPr>
+      <p:sp>
+        <p:nvSpPr>
+          <p:cNvPr id="2" name="Title 1">
+            <a:extLst>
+              <a:ext uri="{FF2B5EF4-FFF2-40B4-BE49-F238E27FC236}">
+                <a16:creationId xmlns:a16="http://schemas.microsoft.com/office/drawing/2014/main" id="{E671B3EA-ACB1-49EB-B5D9-A56196D52C19}"/>
+              </a:ext>
+            </a:extLst>
+          </p:cNvPr>
+          <p:cNvSpPr>
+            <a:spLocks noGrp="1"/>
+          </p:cNvSpPr>
+          <p:nvPr>
+            <p:ph type="title"/>
+          </p:nvPr>
+        </p:nvSpPr>
+        <p:spPr/>
+        <p:txBody>
+          <a:bodyPr/>
+          <a:lstStyle/>
+          <a:p>
+            <a:r>
+              <a:rPr lang="en-GB" dirty="0"/>
+              <a:t>Game Ideas Continued</a:t>
+            </a:r>
+          </a:p>
+        </p:txBody>
+      </p:sp>
+      <p:sp>
+        <p:nvSpPr>
+          <p:cNvPr id="3" name="Content Placeholder 2">
+            <a:extLst>
+              <a:ext uri="{FF2B5EF4-FFF2-40B4-BE49-F238E27FC236}">
+                <a16:creationId xmlns:a16="http://schemas.microsoft.com/office/drawing/2014/main" id="{B774C329-0F74-4AAE-92BE-84867C0FB6DE}"/>
+              </a:ext>
+            </a:extLst>
+          </p:cNvPr>
+          <p:cNvSpPr>
+            <a:spLocks noGrp="1"/>
+          </p:cNvSpPr>
+          <p:nvPr>
+            <p:ph idx="1"/>
+          </p:nvPr>
+        </p:nvSpPr>
+        <p:spPr/>
+        <p:txBody>
+          <a:bodyPr>
+            <a:normAutofit/>
+          </a:bodyPr>
+          <a:lstStyle/>
+          <a:p>
+            <a:r>
+              <a:rPr lang="en-GB" dirty="0"/>
+              <a:t>Quick Maths</a:t>
+            </a:r>
+          </a:p>
+          <a:p>
+            <a:pPr marL="0" indent="0">
+              <a:buNone/>
+            </a:pPr>
+            <a:r>
+              <a:rPr lang="en-GB" dirty="0"/>
+              <a:t>	- Educational. Simple.</a:t>
+            </a:r>
+          </a:p>
+          <a:p>
+            <a:pPr marL="0" indent="0">
+              <a:buNone/>
+            </a:pPr>
+            <a:r>
+              <a:rPr lang="en-GB" dirty="0"/>
+              <a:t>	- Short player base. Player two could copy player one’s answer. </a:t>
+            </a:r>
+            <a:endParaRPr lang="en-GB" dirty="0" smtClean="0"/>
+          </a:p>
+          <a:p>
+            <a:r>
+              <a:rPr lang="en-GB" dirty="0" smtClean="0"/>
+              <a:t>Rhythm </a:t>
+            </a:r>
+            <a:r>
+              <a:rPr lang="en-GB" dirty="0"/>
+              <a:t>Game</a:t>
+            </a:r>
+          </a:p>
+          <a:p>
+            <a:pPr marL="0" indent="0">
+              <a:buNone/>
+            </a:pPr>
+            <a:r>
+              <a:rPr lang="en-GB" dirty="0"/>
+              <a:t>	- </a:t>
+            </a:r>
+            <a:r>
+              <a:rPr lang="en-GB" dirty="0" smtClean="0"/>
+              <a:t>Fun and engaging. Rewards for completing objectives.</a:t>
+            </a:r>
+          </a:p>
+          <a:p>
+            <a:pPr marL="0" indent="0">
+              <a:buNone/>
+            </a:pPr>
+            <a:r>
+              <a:rPr lang="en-GB" dirty="0" smtClean="0"/>
+              <a:t>	- Endless runner. </a:t>
+            </a:r>
+            <a:endParaRPr lang="en-GB" dirty="0"/>
+          </a:p>
+        </p:txBody>
+      </p:sp>
+    </p:spTree>
+    <p:extLst>
+      <p:ext uri="{BB962C8B-B14F-4D97-AF65-F5344CB8AC3E}">
+        <p14:creationId xmlns:p14="http://schemas.microsoft.com/office/powerpoint/2010/main" val="2347605692"/>
+      </p:ext>
+    </p:extLst>
+  </p:cSld>
+  <p:clrMapOvr>
+    <a:masterClrMapping/>
+  </p:clrMapOvr>
+  <p:timing>
+    <p:tnLst>
+      <p:par>
+        <p:cTn id="1" dur="indefinite" restart="never" nodeType="tmRoot"/>
+      </p:par>
+    </p:tnLst>
+  </p:timing>
+</p:sld>
+</file>
+
+<file path=ppt/slides/slide7.xml><?xml version="1.0" encoding="utf-8"?>
+<p:sld xmlns:a="http://schemas.openxmlformats.org/drawingml/2006/main" xmlns:r="http://schemas.openxmlformats.org/officeDocument/2006/relationships" xmlns:p="http://schemas.openxmlformats.org/presentationml/2006/main">
+  <p:cSld>
+    <p:spTree>
+      <p:nvGrpSpPr>
+        <p:cNvPr id="1" name=""/>
+        <p:cNvGrpSpPr/>
+        <p:nvPr/>
+      </p:nvGrpSpPr>
+      <p:grpSpPr>
+        <a:xfrm>
+          <a:off x="0" y="0"/>
+          <a:ext cx="0" cy="0"/>
+          <a:chOff x="0" y="0"/>
+          <a:chExt cx="0" cy="0"/>
+        </a:xfrm>
+      </p:grpSpPr>
+      <p:sp>
+        <p:nvSpPr>
+          <p:cNvPr id="2" name="Title 1">
+            <a:extLst>
+              <a:ext uri="{FF2B5EF4-FFF2-40B4-BE49-F238E27FC236}">
+                <a16:creationId xmlns:a16="http://schemas.microsoft.com/office/drawing/2014/main" id="{4E4BBC76-6103-41CD-B995-381D1AFC5688}"/>
+              </a:ext>
+            </a:extLst>
+          </p:cNvPr>
+          <p:cNvSpPr>
+            <a:spLocks noGrp="1"/>
+          </p:cNvSpPr>
+          <p:nvPr>
+            <p:ph type="title"/>
+          </p:nvPr>
+        </p:nvSpPr>
+        <p:spPr>
+          <a:xfrm>
+            <a:off x="1501564" y="487393"/>
+            <a:ext cx="10018713" cy="1752599"/>
+          </a:xfrm>
+        </p:spPr>
+        <p:txBody>
+          <a:bodyPr/>
+          <a:lstStyle/>
+          <a:p>
+            <a:r>
+              <a:rPr lang="en-GB" dirty="0"/>
+              <a:t>Concept Idea</a:t>
+            </a:r>
+          </a:p>
+        </p:txBody>
+      </p:sp>
+      <p:sp>
+        <p:nvSpPr>
+          <p:cNvPr id="3" name="Content Placeholder 2">
+            <a:extLst>
+              <a:ext uri="{FF2B5EF4-FFF2-40B4-BE49-F238E27FC236}">
+                <a16:creationId xmlns:a16="http://schemas.microsoft.com/office/drawing/2014/main" id="{0CEABE3A-C4A2-4A5F-B949-325978B65668}"/>
+              </a:ext>
+            </a:extLst>
+          </p:cNvPr>
+          <p:cNvSpPr>
+            <a:spLocks noGrp="1"/>
+          </p:cNvSpPr>
+          <p:nvPr>
+            <p:ph idx="1"/>
+          </p:nvPr>
+        </p:nvSpPr>
+        <p:spPr>
+          <a:xfrm>
+            <a:off x="1484310" y="1828800"/>
+            <a:ext cx="10018713" cy="3962401"/>
+          </a:xfrm>
+        </p:spPr>
+        <p:txBody>
+          <a:bodyPr>
+            <a:normAutofit/>
+          </a:bodyPr>
+          <a:lstStyle/>
+          <a:p>
+            <a:r>
+              <a:rPr lang="en-GB" dirty="0"/>
+              <a:t>What we </a:t>
+            </a:r>
+            <a:r>
+              <a:rPr lang="en-GB" dirty="0" smtClean="0"/>
+              <a:t>changed?</a:t>
+            </a:r>
+          </a:p>
+          <a:p>
+            <a:pPr lvl="1"/>
+            <a:r>
+              <a:rPr lang="en-GB" dirty="0" smtClean="0"/>
+              <a:t>Endless runner -&gt; Tug-of-war.</a:t>
+            </a:r>
+          </a:p>
+          <a:p>
+            <a:pPr lvl="1"/>
+            <a:r>
+              <a:rPr lang="en-GB" dirty="0" smtClean="0"/>
+              <a:t>Both players on the screen at once.</a:t>
+            </a:r>
+          </a:p>
+          <a:p>
+            <a:pPr lvl="1"/>
+            <a:r>
+              <a:rPr lang="en-GB" dirty="0" smtClean="0"/>
+              <a:t>Lose zone.</a:t>
+            </a:r>
+            <a:endParaRPr lang="en-GB" dirty="0"/>
+          </a:p>
+        </p:txBody>
+      </p:sp>
+      <p:pic>
+        <p:nvPicPr>
+          <p:cNvPr id="5" name="Picture 2" descr="C:\Users\Games\Desktop\game concept.jpg"/>
+          <p:cNvPicPr>
+            <a:picLocks noChangeAspect="1" noChangeArrowheads="1"/>
+          </p:cNvPicPr>
+          <p:nvPr/>
+        </p:nvPicPr>
+        <p:blipFill>
+          <a:blip r:embed="rId2" cstate="print"/>
+          <a:srcRect/>
+          <a:stretch>
+            <a:fillRect/>
+          </a:stretch>
+        </p:blipFill>
+        <p:spPr bwMode="auto">
+          <a:xfrm>
+            <a:off x="6143135" y="2448734"/>
+            <a:ext cx="5569387" cy="3133725"/>
+          </a:xfrm>
+          <a:prstGeom prst="rect">
+            <a:avLst/>
+          </a:prstGeom>
+          <a:noFill/>
+          <a:ln>
+            <a:solidFill>
+              <a:schemeClr val="tx1"/>
+            </a:solidFill>
+          </a:ln>
+        </p:spPr>
+      </p:pic>
+    </p:spTree>
+    <p:extLst>
+      <p:ext uri="{BB962C8B-B14F-4D97-AF65-F5344CB8AC3E}">
+        <p14:creationId xmlns:p14="http://schemas.microsoft.com/office/powerpoint/2010/main" val="2386905431"/>
+      </p:ext>
+    </p:extLst>
+  </p:cSld>
+  <p:clrMapOvr>
+    <a:masterClrMapping/>
+  </p:clrMapOvr>
+  <p:timing>
+    <p:tnLst>
+      <p:par>
+        <p:cTn id="1" dur="indefinite" restart="never" nodeType="tmRoot"/>
+      </p:par>
+    </p:tnLst>
+  </p:timing>
+</p:sld>
+</file>
+
+<file path=ppt/slides/slide8.xml><?xml version="1.0" encoding="utf-8"?>
+<p:sld xmlns:a="http://schemas.openxmlformats.org/drawingml/2006/main" xmlns:r="http://schemas.openxmlformats.org/officeDocument/2006/relationships" xmlns:p="http://schemas.openxmlformats.org/presentationml/2006/main">
+  <p:cSld>
+    <p:spTree>
+      <p:nvGrpSpPr>
+        <p:cNvPr id="1" name=""/>
+        <p:cNvGrpSpPr/>
+        <p:nvPr/>
+      </p:nvGrpSpPr>
+      <p:grpSpPr>
+        <a:xfrm>
+          <a:off x="0" y="0"/>
+          <a:ext cx="0" cy="0"/>
+          <a:chOff x="0" y="0"/>
+          <a:chExt cx="0" cy="0"/>
+        </a:xfrm>
+      </p:grpSpPr>
+      <p:pic>
+        <p:nvPicPr>
+          <p:cNvPr id="3" name="Picture 2" descr="C:\Users\Games\Desktop\gameplay loop.jpg"/>
+          <p:cNvPicPr>
+            <a:picLocks noChangeAspect="1" noChangeArrowheads="1"/>
+          </p:cNvPicPr>
+          <p:nvPr/>
+        </p:nvPicPr>
+        <p:blipFill>
+          <a:blip r:embed="rId2" cstate="print"/>
+          <a:srcRect/>
+          <a:stretch>
+            <a:fillRect/>
+          </a:stretch>
+        </p:blipFill>
+        <p:spPr bwMode="auto">
+          <a:xfrm>
+            <a:off x="5383553" y="1988388"/>
+            <a:ext cx="6119470" cy="4326787"/>
+          </a:xfrm>
+          <a:prstGeom prst="rect">
+            <a:avLst/>
+          </a:prstGeom>
+          <a:noFill/>
+          <a:ln>
+            <a:solidFill>
+              <a:schemeClr val="tx1"/>
+            </a:solidFill>
+          </a:ln>
+        </p:spPr>
+      </p:pic>
+      <p:sp>
+        <p:nvSpPr>
+          <p:cNvPr id="5" name="Content Placeholder 2">
+            <a:extLst>
+              <a:ext uri="{FF2B5EF4-FFF2-40B4-BE49-F238E27FC236}">
+                <a16:creationId xmlns:a16="http://schemas.microsoft.com/office/drawing/2014/main" id="{0CEABE3A-C4A2-4A5F-B949-325978B65668}"/>
+              </a:ext>
+            </a:extLst>
+          </p:cNvPr>
+          <p:cNvSpPr>
+            <a:spLocks noGrp="1"/>
+          </p:cNvSpPr>
+          <p:nvPr>
+            <p:ph idx="1"/>
+          </p:nvPr>
+        </p:nvSpPr>
+        <p:spPr>
+          <a:xfrm>
+            <a:off x="1484310" y="1828800"/>
+            <a:ext cx="10018713" cy="3962401"/>
+          </a:xfrm>
+        </p:spPr>
+        <p:txBody>
+          <a:bodyPr>
+            <a:normAutofit/>
+          </a:bodyPr>
+          <a:lstStyle/>
+          <a:p>
+            <a:pPr>
+              <a:buFont typeface="Arial" panose="020B0604020202020204" pitchFamily="34" charset="0"/>
+              <a:buChar char="•"/>
+            </a:pPr>
+            <a:r>
+              <a:rPr lang="en-GB" dirty="0"/>
+              <a:t>Mechanics</a:t>
+            </a:r>
+          </a:p>
+          <a:p>
+            <a:pPr lvl="1">
+              <a:buFont typeface="Arial" panose="020B0604020202020204" pitchFamily="34" charset="0"/>
+              <a:buChar char="•"/>
+            </a:pPr>
+            <a:r>
+              <a:rPr lang="en-GB" dirty="0"/>
+              <a:t>Quick-time-events.</a:t>
+            </a:r>
+          </a:p>
+          <a:p>
+            <a:pPr lvl="1">
+              <a:buFont typeface="Arial" panose="020B0604020202020204" pitchFamily="34" charset="0"/>
+              <a:buChar char="•"/>
+            </a:pPr>
+            <a:r>
+              <a:rPr lang="en-GB" dirty="0" smtClean="0"/>
+              <a:t>Learn-practice-master.</a:t>
+            </a:r>
+            <a:endParaRPr lang="en-GB" dirty="0"/>
+          </a:p>
+        </p:txBody>
+      </p:sp>
+      <p:sp>
+        <p:nvSpPr>
+          <p:cNvPr id="6" name="Title 1">
+            <a:extLst>
+              <a:ext uri="{FF2B5EF4-FFF2-40B4-BE49-F238E27FC236}">
+                <a16:creationId xmlns:a16="http://schemas.microsoft.com/office/drawing/2014/main" id="{4E4BBC76-6103-41CD-B995-381D1AFC5688}"/>
+              </a:ext>
+            </a:extLst>
+          </p:cNvPr>
+          <p:cNvSpPr>
+            <a:spLocks noGrp="1"/>
+          </p:cNvSpPr>
+          <p:nvPr>
+            <p:ph type="title"/>
+          </p:nvPr>
+        </p:nvSpPr>
+        <p:spPr>
+          <a:xfrm>
+            <a:off x="1484309" y="235789"/>
+            <a:ext cx="10018713" cy="1752599"/>
+          </a:xfrm>
+        </p:spPr>
+        <p:txBody>
+          <a:bodyPr/>
+          <a:lstStyle/>
+          <a:p>
+            <a:r>
+              <a:rPr lang="en-GB" dirty="0"/>
+              <a:t>Concept Idea</a:t>
+            </a:r>
+          </a:p>
+        </p:txBody>
+      </p:sp>
+    </p:spTree>
+  </p:cSld>
+  <p:clrMapOvr>
+    <a:masterClrMapping/>
+  </p:clrMapOvr>
+  <p:timing>
+    <p:tnLst>
+      <p:par>
+        <p:cTn id="1" dur="indefinite" restart="never" nodeType="tmRoot"/>
+      </p:par>
+    </p:tnLst>
+  </p:timing>
+</p:sld>
+</file>
+
+<file path=ppt/slides/slide9.xml><?xml version="1.0" encoding="utf-8"?>
 <p:sld xmlns:a="http://schemas.openxmlformats.org/drawingml/2006/main" xmlns:r="http://schemas.openxmlformats.org/officeDocument/2006/relationships" xmlns:p="http://schemas.openxmlformats.org/presentationml/2006/main">
   <p:cSld>
     <p:spTree>
@@ -6696,1215 +8447,20 @@
     </p:spTree>
     <p:extLst>
       <p:ext uri="{BB962C8B-B14F-4D97-AF65-F5344CB8AC3E}">
-        <p14:creationId xmlns:p14="http://schemas.microsoft.com/office/powerpoint/2010/main" xmlns="" val="3096015887"/>
+        <p14:creationId xmlns:p14="http://schemas.microsoft.com/office/powerpoint/2010/main" val="3096015887"/>
       </p:ext>
     </p:extLst>
   </p:cSld>
   <p:clrMapOvr>
     <a:masterClrMapping/>
   </p:clrMapOvr>
-</p:sld>
-</file>
-
-<file path=ppt/slides/slide11.xml><?xml version="1.0" encoding="utf-8"?>
-<p:sld xmlns:a="http://schemas.openxmlformats.org/drawingml/2006/main" xmlns:r="http://schemas.openxmlformats.org/officeDocument/2006/relationships" xmlns:p="http://schemas.openxmlformats.org/presentationml/2006/main">
-  <p:cSld>
-    <p:spTree>
-      <p:nvGrpSpPr>
-        <p:cNvPr id="1" name=""/>
-        <p:cNvGrpSpPr/>
-        <p:nvPr/>
-      </p:nvGrpSpPr>
-      <p:grpSpPr>
-        <a:xfrm>
-          <a:off x="0" y="0"/>
-          <a:ext cx="0" cy="0"/>
-          <a:chOff x="0" y="0"/>
-          <a:chExt cx="0" cy="0"/>
-        </a:xfrm>
-      </p:grpSpPr>
-      <p:sp>
-        <p:nvSpPr>
-          <p:cNvPr id="2" name="Title 1"/>
-          <p:cNvSpPr>
-            <a:spLocks noGrp="1"/>
-          </p:cNvSpPr>
-          <p:nvPr>
-            <p:ph type="title"/>
-          </p:nvPr>
-        </p:nvSpPr>
-        <p:spPr>
-          <a:xfrm>
-            <a:off x="4608683" y="2813341"/>
-            <a:ext cx="2974634" cy="1231318"/>
-          </a:xfrm>
-        </p:spPr>
-        <p:txBody>
-          <a:bodyPr/>
-          <a:lstStyle/>
-          <a:p>
-            <a:pPr algn="ctr"/>
-            <a:r>
-              <a:rPr lang="en-GB" dirty="0"/>
-              <a:t>Questions?</a:t>
-            </a:r>
-          </a:p>
-        </p:txBody>
-      </p:sp>
-    </p:spTree>
-    <p:extLst>
-      <p:ext uri="{BB962C8B-B14F-4D97-AF65-F5344CB8AC3E}">
-        <p14:creationId xmlns:p14="http://schemas.microsoft.com/office/powerpoint/2010/main" xmlns="" val="3873436708"/>
-      </p:ext>
-    </p:extLst>
-  </p:cSld>
-  <p:clrMapOvr>
-    <a:masterClrMapping/>
-  </p:clrMapOvr>
-</p:sld>
-</file>
-
-<file path=ppt/slides/slide2.xml><?xml version="1.0" encoding="utf-8"?>
-<p:sld xmlns:a="http://schemas.openxmlformats.org/drawingml/2006/main" xmlns:r="http://schemas.openxmlformats.org/officeDocument/2006/relationships" xmlns:p="http://schemas.openxmlformats.org/presentationml/2006/main">
-  <p:cSld>
-    <p:spTree>
-      <p:nvGrpSpPr>
-        <p:cNvPr id="1" name=""/>
-        <p:cNvGrpSpPr/>
-        <p:nvPr/>
-      </p:nvGrpSpPr>
-      <p:grpSpPr>
-        <a:xfrm>
-          <a:off x="0" y="0"/>
-          <a:ext cx="0" cy="0"/>
-          <a:chOff x="0" y="0"/>
-          <a:chExt cx="0" cy="0"/>
-        </a:xfrm>
-      </p:grpSpPr>
-      <p:sp>
-        <p:nvSpPr>
-          <p:cNvPr id="2" name="Title 1">
-            <a:extLst>
-              <a:ext uri="{FF2B5EF4-FFF2-40B4-BE49-F238E27FC236}">
-                <a16:creationId xmlns:a16="http://schemas.microsoft.com/office/drawing/2014/main" xmlns="" id="{1E8861EB-A5E0-478D-9884-160BC60078BC}"/>
-              </a:ext>
-            </a:extLst>
-          </p:cNvPr>
-          <p:cNvSpPr>
-            <a:spLocks noGrp="1"/>
-          </p:cNvSpPr>
-          <p:nvPr>
-            <p:ph type="title"/>
-          </p:nvPr>
-        </p:nvSpPr>
-        <p:spPr/>
-        <p:txBody>
-          <a:bodyPr/>
-          <a:lstStyle/>
-          <a:p>
-            <a:r>
-              <a:rPr lang="en-GB" dirty="0"/>
-              <a:t>The Brief</a:t>
-            </a:r>
-          </a:p>
-        </p:txBody>
-      </p:sp>
-      <p:sp>
-        <p:nvSpPr>
-          <p:cNvPr id="3" name="Content Placeholder 2">
-            <a:extLst>
-              <a:ext uri="{FF2B5EF4-FFF2-40B4-BE49-F238E27FC236}">
-                <a16:creationId xmlns:a16="http://schemas.microsoft.com/office/drawing/2014/main" xmlns="" id="{7758E024-986F-427E-9B25-CB481A68D9F3}"/>
-              </a:ext>
-            </a:extLst>
-          </p:cNvPr>
-          <p:cNvSpPr>
-            <a:spLocks noGrp="1"/>
-          </p:cNvSpPr>
-          <p:nvPr>
-            <p:ph idx="1"/>
-          </p:nvPr>
-        </p:nvSpPr>
-        <p:spPr/>
-        <p:txBody>
-          <a:bodyPr/>
-          <a:lstStyle/>
-          <a:p>
-            <a:r>
-              <a:rPr lang="en-GB" dirty="0"/>
-              <a:t>2D Game</a:t>
-            </a:r>
-          </a:p>
-          <a:p>
-            <a:r>
-              <a:rPr lang="en-GB" dirty="0"/>
-              <a:t>One Tap Mechanic</a:t>
-            </a:r>
-          </a:p>
-          <a:p>
-            <a:r>
-              <a:rPr lang="en-GB" dirty="0"/>
-              <a:t>Casual Gamers</a:t>
-            </a:r>
-          </a:p>
-          <a:p>
-            <a:r>
-              <a:rPr lang="en-GB" dirty="0"/>
-              <a:t>Turn based</a:t>
-            </a:r>
-          </a:p>
-          <a:p>
-            <a:r>
-              <a:rPr lang="en-GB" dirty="0" smtClean="0"/>
-              <a:t>Feedback</a:t>
-            </a:r>
-            <a:endParaRPr lang="en-GB" dirty="0"/>
-          </a:p>
-        </p:txBody>
-      </p:sp>
-    </p:spTree>
-    <p:extLst>
-      <p:ext uri="{BB962C8B-B14F-4D97-AF65-F5344CB8AC3E}">
-        <p14:creationId xmlns:p14="http://schemas.microsoft.com/office/powerpoint/2010/main" xmlns="" val="155911683"/>
-      </p:ext>
-    </p:extLst>
-  </p:cSld>
-  <p:clrMapOvr>
-    <a:masterClrMapping/>
-  </p:clrMapOvr>
-</p:sld>
-</file>
-
-<file path=ppt/slides/slide3.xml><?xml version="1.0" encoding="utf-8"?>
-<p:sld xmlns:a="http://schemas.openxmlformats.org/drawingml/2006/main" xmlns:r="http://schemas.openxmlformats.org/officeDocument/2006/relationships" xmlns:p="http://schemas.openxmlformats.org/presentationml/2006/main">
-  <p:cSld name="Slide2">
-    <p:spTree>
-      <p:nvGrpSpPr>
-        <p:cNvPr id="1" name=""/>
-        <p:cNvGrpSpPr/>
-        <p:nvPr/>
-      </p:nvGrpSpPr>
-      <p:grpSpPr>
-        <a:xfrm>
-          <a:off x="0" y="0"/>
-          <a:ext cx="0" cy="0"/>
-          <a:chOff x="0" y="0"/>
-          <a:chExt cx="0" cy="0"/>
-        </a:xfrm>
-      </p:grpSpPr>
-      <p:sp>
-        <p:nvSpPr>
-          <p:cNvPr id="2" name="Title 1"/>
-          <p:cNvSpPr txBox="1">
-            <a:spLocks noGrp="1"/>
-          </p:cNvSpPr>
-          <p:nvPr>
-            <p:ph type="title"/>
-          </p:nvPr>
-        </p:nvSpPr>
-        <p:spPr>
-          <a:xfrm>
-            <a:off x="1518817" y="0"/>
-            <a:ext cx="10018713" cy="1752599"/>
-          </a:xfrm>
-        </p:spPr>
-        <p:txBody>
-          <a:bodyPr/>
-          <a:lstStyle/>
-          <a:p>
-            <a:r>
-              <a:rPr lang="en-GB" dirty="0"/>
-              <a:t>Research</a:t>
-            </a:r>
-          </a:p>
-        </p:txBody>
-      </p:sp>
-      <p:sp>
-        <p:nvSpPr>
-          <p:cNvPr id="3" name="Content Placeholder 2"/>
-          <p:cNvSpPr txBox="1">
-            <a:spLocks noGrp="1"/>
-          </p:cNvSpPr>
-          <p:nvPr>
-            <p:ph idx="1"/>
-          </p:nvPr>
-        </p:nvSpPr>
-        <p:spPr>
-          <a:xfrm>
-            <a:off x="1484310" y="1580071"/>
-            <a:ext cx="6106935" cy="4415287"/>
-          </a:xfrm>
-        </p:spPr>
-        <p:txBody>
-          <a:bodyPr>
-            <a:normAutofit/>
-          </a:bodyPr>
-          <a:lstStyle/>
-          <a:p>
-            <a:r>
-              <a:rPr lang="en-GB" dirty="0" smtClean="0"/>
-              <a:t>Clarity of layout.</a:t>
-            </a:r>
-          </a:p>
-          <a:p>
-            <a:r>
-              <a:rPr lang="en-GB" dirty="0" smtClean="0"/>
-              <a:t>Simplicity.</a:t>
-            </a:r>
-          </a:p>
-          <a:p>
-            <a:r>
-              <a:rPr lang="en-GB" dirty="0" smtClean="0"/>
-              <a:t>Gratification.</a:t>
-            </a:r>
-          </a:p>
-          <a:p>
-            <a:r>
-              <a:rPr lang="en-GB" dirty="0" smtClean="0"/>
-              <a:t>What these games taught us?</a:t>
-            </a:r>
-            <a:endParaRPr lang="en-GB" dirty="0"/>
-          </a:p>
-        </p:txBody>
-      </p:sp>
-      <p:pic>
-        <p:nvPicPr>
-          <p:cNvPr id="3074" name="Picture 2" descr="C:\Users\Games\Desktop\screen07_1.jpg"/>
-          <p:cNvPicPr>
-            <a:picLocks noChangeAspect="1" noChangeArrowheads="1"/>
-          </p:cNvPicPr>
-          <p:nvPr/>
-        </p:nvPicPr>
-        <p:blipFill>
-          <a:blip r:embed="rId2" cstate="print"/>
-          <a:srcRect/>
-          <a:stretch>
-            <a:fillRect/>
-          </a:stretch>
-        </p:blipFill>
-        <p:spPr bwMode="auto">
-          <a:xfrm>
-            <a:off x="7781027" y="1523857"/>
-            <a:ext cx="3936674" cy="2214379"/>
-          </a:xfrm>
-          <a:prstGeom prst="rect">
-            <a:avLst/>
-          </a:prstGeom>
-          <a:noFill/>
-          <a:ln>
-            <a:solidFill>
-              <a:schemeClr val="tx1"/>
-            </a:solidFill>
-          </a:ln>
-        </p:spPr>
-      </p:pic>
-      <p:sp>
-        <p:nvSpPr>
-          <p:cNvPr id="5" name="TextBox 4"/>
-          <p:cNvSpPr txBox="1"/>
-          <p:nvPr/>
-        </p:nvSpPr>
-        <p:spPr>
-          <a:xfrm>
-            <a:off x="7781027" y="3752491"/>
-            <a:ext cx="3942271" cy="261610"/>
-          </a:xfrm>
-          <a:prstGeom prst="rect">
-            <a:avLst/>
-          </a:prstGeom>
-          <a:noFill/>
-        </p:spPr>
-        <p:txBody>
-          <a:bodyPr wrap="square" rtlCol="0">
-            <a:spAutoFit/>
-          </a:bodyPr>
-          <a:lstStyle/>
-          <a:p>
-            <a:pPr algn="ctr"/>
-            <a:r>
-              <a:rPr lang="en-GB" sz="1100" dirty="0" smtClean="0"/>
-              <a:t>Tower of Babel</a:t>
-            </a:r>
-            <a:endParaRPr lang="en-GB" sz="1100" dirty="0"/>
-          </a:p>
-        </p:txBody>
-      </p:sp>
-      <p:pic>
-        <p:nvPicPr>
-          <p:cNvPr id="3075" name="Picture 3" descr="C:\Users\Games\Desktop\One-More-Line.jpg"/>
-          <p:cNvPicPr>
-            <a:picLocks noChangeAspect="1" noChangeArrowheads="1"/>
-          </p:cNvPicPr>
-          <p:nvPr/>
-        </p:nvPicPr>
-        <p:blipFill>
-          <a:blip r:embed="rId3" cstate="print"/>
-          <a:srcRect l="26495" r="24591"/>
-          <a:stretch>
-            <a:fillRect/>
-          </a:stretch>
-        </p:blipFill>
-        <p:spPr bwMode="auto">
-          <a:xfrm>
-            <a:off x="8013939" y="4164582"/>
-            <a:ext cx="1884571" cy="2167207"/>
-          </a:xfrm>
-          <a:prstGeom prst="rect">
-            <a:avLst/>
-          </a:prstGeom>
-          <a:noFill/>
-          <a:ln>
-            <a:solidFill>
-              <a:schemeClr val="tx1"/>
-            </a:solidFill>
-          </a:ln>
-        </p:spPr>
-      </p:pic>
-      <p:sp>
-        <p:nvSpPr>
-          <p:cNvPr id="7" name="TextBox 6"/>
-          <p:cNvSpPr txBox="1"/>
-          <p:nvPr/>
-        </p:nvSpPr>
-        <p:spPr>
-          <a:xfrm>
-            <a:off x="7985183" y="6337538"/>
-            <a:ext cx="1917941" cy="261610"/>
-          </a:xfrm>
-          <a:prstGeom prst="rect">
-            <a:avLst/>
-          </a:prstGeom>
-          <a:noFill/>
-        </p:spPr>
-        <p:txBody>
-          <a:bodyPr wrap="square" rtlCol="0">
-            <a:spAutoFit/>
-          </a:bodyPr>
-          <a:lstStyle/>
-          <a:p>
-            <a:pPr algn="ctr"/>
-            <a:r>
-              <a:rPr lang="en-GB" sz="1100" dirty="0" smtClean="0"/>
-              <a:t>One More Line</a:t>
-            </a:r>
-            <a:endParaRPr lang="en-GB" sz="1100" dirty="0"/>
-          </a:p>
-        </p:txBody>
-      </p:sp>
-      <p:pic>
-        <p:nvPicPr>
-          <p:cNvPr id="3076" name="Picture 4" descr="C:\Users\Games\Desktop\leap-day-ios-1.jpg"/>
-          <p:cNvPicPr>
-            <a:picLocks noChangeAspect="1" noChangeArrowheads="1"/>
-          </p:cNvPicPr>
-          <p:nvPr/>
-        </p:nvPicPr>
-        <p:blipFill>
-          <a:blip r:embed="rId4" cstate="print"/>
-          <a:srcRect/>
-          <a:stretch>
-            <a:fillRect/>
-          </a:stretch>
-        </p:blipFill>
-        <p:spPr bwMode="auto">
-          <a:xfrm>
-            <a:off x="10127411" y="4150010"/>
-            <a:ext cx="1224950" cy="2180411"/>
-          </a:xfrm>
-          <a:prstGeom prst="rect">
-            <a:avLst/>
-          </a:prstGeom>
-          <a:noFill/>
-          <a:ln>
-            <a:solidFill>
-              <a:schemeClr val="tx1"/>
-            </a:solidFill>
-          </a:ln>
-        </p:spPr>
-      </p:pic>
-      <p:sp>
-        <p:nvSpPr>
-          <p:cNvPr id="9" name="TextBox 8"/>
-          <p:cNvSpPr txBox="1"/>
-          <p:nvPr/>
-        </p:nvSpPr>
-        <p:spPr>
-          <a:xfrm>
-            <a:off x="10095780" y="6351915"/>
-            <a:ext cx="1265209" cy="261610"/>
-          </a:xfrm>
-          <a:prstGeom prst="rect">
-            <a:avLst/>
-          </a:prstGeom>
-          <a:noFill/>
-        </p:spPr>
-        <p:txBody>
-          <a:bodyPr wrap="square" rtlCol="0">
-            <a:spAutoFit/>
-          </a:bodyPr>
-          <a:lstStyle/>
-          <a:p>
-            <a:pPr algn="ctr"/>
-            <a:r>
-              <a:rPr lang="en-GB" sz="1100" dirty="0" smtClean="0"/>
-              <a:t>Leap Day</a:t>
-            </a:r>
-            <a:endParaRPr lang="en-GB" sz="1100" dirty="0"/>
-          </a:p>
-        </p:txBody>
-      </p:sp>
-    </p:spTree>
-  </p:cSld>
-  <p:clrMapOvr>
-    <a:masterClrMapping/>
-  </p:clrMapOvr>
-</p:sld>
-</file>
-
-<file path=ppt/slides/slide4.xml><?xml version="1.0" encoding="utf-8"?>
-<p:sld xmlns:a="http://schemas.openxmlformats.org/drawingml/2006/main" xmlns:r="http://schemas.openxmlformats.org/officeDocument/2006/relationships" xmlns:p="http://schemas.openxmlformats.org/presentationml/2006/main">
-  <p:cSld>
-    <p:spTree>
-      <p:nvGrpSpPr>
-        <p:cNvPr id="1" name=""/>
-        <p:cNvGrpSpPr/>
-        <p:nvPr/>
-      </p:nvGrpSpPr>
-      <p:grpSpPr>
-        <a:xfrm>
-          <a:off x="0" y="0"/>
-          <a:ext cx="0" cy="0"/>
-          <a:chOff x="0" y="0"/>
-          <a:chExt cx="0" cy="0"/>
-        </a:xfrm>
-      </p:grpSpPr>
-      <p:sp>
-        <p:nvSpPr>
-          <p:cNvPr id="2" name="Title 1"/>
-          <p:cNvSpPr>
-            <a:spLocks noGrp="1"/>
-          </p:cNvSpPr>
-          <p:nvPr>
-            <p:ph type="title"/>
-          </p:nvPr>
-        </p:nvSpPr>
-        <p:spPr/>
-        <p:txBody>
-          <a:bodyPr/>
-          <a:lstStyle/>
-          <a:p>
-            <a:r>
-              <a:rPr lang="en-GB" dirty="0"/>
-              <a:t>Demographic</a:t>
-            </a:r>
-          </a:p>
-        </p:txBody>
-      </p:sp>
-      <p:sp>
-        <p:nvSpPr>
-          <p:cNvPr id="3" name="Content Placeholder 2"/>
-          <p:cNvSpPr>
-            <a:spLocks noGrp="1"/>
-          </p:cNvSpPr>
-          <p:nvPr>
-            <p:ph idx="1"/>
-          </p:nvPr>
-        </p:nvSpPr>
-        <p:spPr/>
-        <p:txBody>
-          <a:bodyPr/>
-          <a:lstStyle/>
-          <a:p>
-            <a:r>
-              <a:rPr lang="en-GB" dirty="0"/>
-              <a:t>Age </a:t>
-            </a:r>
-            <a:r>
-              <a:rPr lang="en-GB" dirty="0" smtClean="0"/>
-              <a:t>Group (10 – 18)</a:t>
-            </a:r>
-            <a:endParaRPr lang="en-GB" dirty="0"/>
-          </a:p>
-          <a:p>
-            <a:r>
-              <a:rPr lang="en-GB" dirty="0" smtClean="0"/>
-              <a:t>Gender (male)</a:t>
-            </a:r>
-            <a:endParaRPr lang="en-GB" dirty="0"/>
-          </a:p>
-          <a:p>
-            <a:r>
-              <a:rPr lang="en-GB" dirty="0" smtClean="0"/>
-              <a:t>Psychographics (achievers)</a:t>
-            </a:r>
-            <a:endParaRPr lang="en-GB" dirty="0"/>
-          </a:p>
-          <a:p>
-            <a:r>
-              <a:rPr lang="en-GB" dirty="0"/>
-              <a:t>Pleasures</a:t>
-            </a:r>
-          </a:p>
-        </p:txBody>
-      </p:sp>
-    </p:spTree>
-    <p:extLst>
-      <p:ext uri="{BB962C8B-B14F-4D97-AF65-F5344CB8AC3E}">
-        <p14:creationId xmlns:p14="http://schemas.microsoft.com/office/powerpoint/2010/main" xmlns="" val="3053552553"/>
-      </p:ext>
-    </p:extLst>
-  </p:cSld>
-  <p:clrMapOvr>
-    <a:masterClrMapping/>
-  </p:clrMapOvr>
-</p:sld>
-</file>
-
-<file path=ppt/slides/slide5.xml><?xml version="1.0" encoding="utf-8"?>
-<p:sld xmlns:a="http://schemas.openxmlformats.org/drawingml/2006/main" xmlns:r="http://schemas.openxmlformats.org/officeDocument/2006/relationships" xmlns:p="http://schemas.openxmlformats.org/presentationml/2006/main">
-  <p:cSld>
-    <p:spTree>
-      <p:nvGrpSpPr>
-        <p:cNvPr id="1" name=""/>
-        <p:cNvGrpSpPr/>
-        <p:nvPr/>
-      </p:nvGrpSpPr>
-      <p:grpSpPr>
-        <a:xfrm>
-          <a:off x="0" y="0"/>
-          <a:ext cx="0" cy="0"/>
-          <a:chOff x="0" y="0"/>
-          <a:chExt cx="0" cy="0"/>
-        </a:xfrm>
-      </p:grpSpPr>
-      <p:sp>
-        <p:nvSpPr>
-          <p:cNvPr id="2" name="Title 1">
-            <a:extLst>
-              <a:ext uri="{FF2B5EF4-FFF2-40B4-BE49-F238E27FC236}">
-                <a16:creationId xmlns:a16="http://schemas.microsoft.com/office/drawing/2014/main" xmlns="" id="{78161224-D0AC-40C2-B289-8552D5A386B9}"/>
-              </a:ext>
-            </a:extLst>
-          </p:cNvPr>
-          <p:cNvSpPr>
-            <a:spLocks noGrp="1"/>
-          </p:cNvSpPr>
-          <p:nvPr>
-            <p:ph type="title"/>
-          </p:nvPr>
-        </p:nvSpPr>
-        <p:spPr/>
-        <p:txBody>
-          <a:bodyPr/>
-          <a:lstStyle/>
-          <a:p>
-            <a:r>
-              <a:rPr lang="en-GB" dirty="0"/>
-              <a:t>Game Ideas</a:t>
-            </a:r>
-          </a:p>
-        </p:txBody>
-      </p:sp>
-      <p:sp>
-        <p:nvSpPr>
-          <p:cNvPr id="3" name="Content Placeholder 2">
-            <a:extLst>
-              <a:ext uri="{FF2B5EF4-FFF2-40B4-BE49-F238E27FC236}">
-                <a16:creationId xmlns:a16="http://schemas.microsoft.com/office/drawing/2014/main" xmlns="" id="{925B9804-CD7A-4A25-A514-E2C529CE3030}"/>
-              </a:ext>
-            </a:extLst>
-          </p:cNvPr>
-          <p:cNvSpPr>
-            <a:spLocks noGrp="1"/>
-          </p:cNvSpPr>
-          <p:nvPr>
-            <p:ph idx="1"/>
-          </p:nvPr>
-        </p:nvSpPr>
-        <p:spPr>
-          <a:xfrm>
-            <a:off x="1484310" y="2165230"/>
-            <a:ext cx="10018713" cy="3625971"/>
-          </a:xfrm>
-        </p:spPr>
-        <p:txBody>
-          <a:bodyPr/>
-          <a:lstStyle/>
-          <a:p>
-            <a:r>
-              <a:rPr lang="en-GB" dirty="0"/>
-              <a:t>Communication Lines</a:t>
-            </a:r>
-          </a:p>
-          <a:p>
-            <a:pPr marL="0" indent="0">
-              <a:buNone/>
-            </a:pPr>
-            <a:r>
-              <a:rPr lang="en-GB" dirty="0"/>
-              <a:t>	- </a:t>
-            </a:r>
-            <a:r>
-              <a:rPr lang="en-GB" dirty="0" smtClean="0"/>
-              <a:t>Symmetric. Element of competition.</a:t>
-            </a:r>
-          </a:p>
-          <a:p>
-            <a:pPr marL="0" indent="0">
-              <a:buNone/>
-            </a:pPr>
-            <a:r>
-              <a:rPr lang="en-GB" dirty="0" smtClean="0"/>
-              <a:t>	</a:t>
-            </a:r>
-            <a:r>
-              <a:rPr lang="en-GB" dirty="0" smtClean="0"/>
-              <a:t>- No rewards. Hard to play on single device.</a:t>
-            </a:r>
-            <a:endParaRPr lang="en-GB" dirty="0"/>
-          </a:p>
-          <a:p>
-            <a:r>
-              <a:rPr lang="en-GB" dirty="0"/>
-              <a:t>Pendulum Swing</a:t>
-            </a:r>
-          </a:p>
-          <a:p>
-            <a:pPr marL="0" indent="0">
-              <a:buNone/>
-            </a:pPr>
-            <a:r>
-              <a:rPr lang="en-GB" dirty="0"/>
-              <a:t>	- </a:t>
-            </a:r>
-            <a:r>
-              <a:rPr lang="en-GB" dirty="0" smtClean="0"/>
-              <a:t>Symmetric. Simple rules. </a:t>
-            </a:r>
-          </a:p>
-          <a:p>
-            <a:pPr marL="0" indent="0">
-              <a:buNone/>
-            </a:pPr>
-            <a:r>
-              <a:rPr lang="en-GB" dirty="0" smtClean="0"/>
-              <a:t>	</a:t>
-            </a:r>
-            <a:r>
-              <a:rPr lang="en-GB" dirty="0" smtClean="0"/>
-              <a:t>- Not within the demographics. </a:t>
-            </a:r>
-            <a:endParaRPr lang="en-GB" dirty="0"/>
-          </a:p>
-        </p:txBody>
-      </p:sp>
-    </p:spTree>
-    <p:extLst>
-      <p:ext uri="{BB962C8B-B14F-4D97-AF65-F5344CB8AC3E}">
-        <p14:creationId xmlns:p14="http://schemas.microsoft.com/office/powerpoint/2010/main" xmlns="" val="3961623385"/>
-      </p:ext>
-    </p:extLst>
-  </p:cSld>
-  <p:clrMapOvr>
-    <a:masterClrMapping/>
-  </p:clrMapOvr>
-</p:sld>
-</file>
-
-<file path=ppt/slides/slide6.xml><?xml version="1.0" encoding="utf-8"?>
-<p:sld xmlns:a="http://schemas.openxmlformats.org/drawingml/2006/main" xmlns:r="http://schemas.openxmlformats.org/officeDocument/2006/relationships" xmlns:p="http://schemas.openxmlformats.org/presentationml/2006/main">
-  <p:cSld>
-    <p:spTree>
-      <p:nvGrpSpPr>
-        <p:cNvPr id="1" name=""/>
-        <p:cNvGrpSpPr/>
-        <p:nvPr/>
-      </p:nvGrpSpPr>
-      <p:grpSpPr>
-        <a:xfrm>
-          <a:off x="0" y="0"/>
-          <a:ext cx="0" cy="0"/>
-          <a:chOff x="0" y="0"/>
-          <a:chExt cx="0" cy="0"/>
-        </a:xfrm>
-      </p:grpSpPr>
-      <p:sp>
-        <p:nvSpPr>
-          <p:cNvPr id="2" name="Title 1">
-            <a:extLst>
-              <a:ext uri="{FF2B5EF4-FFF2-40B4-BE49-F238E27FC236}">
-                <a16:creationId xmlns:a16="http://schemas.microsoft.com/office/drawing/2014/main" xmlns="" id="{E671B3EA-ACB1-49EB-B5D9-A56196D52C19}"/>
-              </a:ext>
-            </a:extLst>
-          </p:cNvPr>
-          <p:cNvSpPr>
-            <a:spLocks noGrp="1"/>
-          </p:cNvSpPr>
-          <p:nvPr>
-            <p:ph type="title"/>
-          </p:nvPr>
-        </p:nvSpPr>
-        <p:spPr/>
-        <p:txBody>
-          <a:bodyPr/>
-          <a:lstStyle/>
-          <a:p>
-            <a:r>
-              <a:rPr lang="en-GB" dirty="0"/>
-              <a:t>Game Ideas Continued</a:t>
-            </a:r>
-          </a:p>
-        </p:txBody>
-      </p:sp>
-      <p:sp>
-        <p:nvSpPr>
-          <p:cNvPr id="3" name="Content Placeholder 2">
-            <a:extLst>
-              <a:ext uri="{FF2B5EF4-FFF2-40B4-BE49-F238E27FC236}">
-                <a16:creationId xmlns:a16="http://schemas.microsoft.com/office/drawing/2014/main" xmlns="" id="{B774C329-0F74-4AAE-92BE-84867C0FB6DE}"/>
-              </a:ext>
-            </a:extLst>
-          </p:cNvPr>
-          <p:cNvSpPr>
-            <a:spLocks noGrp="1"/>
-          </p:cNvSpPr>
-          <p:nvPr>
-            <p:ph idx="1"/>
-          </p:nvPr>
-        </p:nvSpPr>
-        <p:spPr/>
-        <p:txBody>
-          <a:bodyPr/>
-          <a:lstStyle/>
-          <a:p>
-            <a:r>
-              <a:rPr lang="en-GB" dirty="0"/>
-              <a:t>Rhythm Game</a:t>
-            </a:r>
-          </a:p>
-          <a:p>
-            <a:pPr marL="0" indent="0">
-              <a:buNone/>
-            </a:pPr>
-            <a:r>
-              <a:rPr lang="en-GB" dirty="0"/>
-              <a:t>	- </a:t>
-            </a:r>
-            <a:r>
-              <a:rPr lang="en-GB" dirty="0" smtClean="0"/>
-              <a:t>Fun and engaging. Rewards for completing objectives.</a:t>
-            </a:r>
-          </a:p>
-          <a:p>
-            <a:pPr marL="0" indent="0">
-              <a:buNone/>
-            </a:pPr>
-            <a:r>
-              <a:rPr lang="en-GB" dirty="0" smtClean="0"/>
-              <a:t>	</a:t>
-            </a:r>
-            <a:r>
-              <a:rPr lang="en-GB" dirty="0" smtClean="0"/>
-              <a:t>- Endless runner. </a:t>
-            </a:r>
-            <a:endParaRPr lang="en-GB" dirty="0"/>
-          </a:p>
-          <a:p>
-            <a:r>
-              <a:rPr lang="en-GB" dirty="0"/>
-              <a:t>Quick Maths</a:t>
-            </a:r>
-          </a:p>
-          <a:p>
-            <a:pPr marL="0" indent="0">
-              <a:buNone/>
-            </a:pPr>
-            <a:r>
-              <a:rPr lang="en-GB" dirty="0"/>
-              <a:t>	- </a:t>
-            </a:r>
-            <a:r>
-              <a:rPr lang="en-GB" dirty="0" smtClean="0"/>
-              <a:t>Educational. Simple.</a:t>
-            </a:r>
-          </a:p>
-          <a:p>
-            <a:pPr marL="0" indent="0">
-              <a:buNone/>
-            </a:pPr>
-            <a:r>
-              <a:rPr lang="en-GB" dirty="0" smtClean="0"/>
-              <a:t>	</a:t>
-            </a:r>
-            <a:r>
-              <a:rPr lang="en-GB" dirty="0" smtClean="0"/>
-              <a:t>- Short player base. Player two could copy player one’s answer. </a:t>
-            </a:r>
-            <a:endParaRPr lang="en-GB" dirty="0"/>
-          </a:p>
-        </p:txBody>
-      </p:sp>
-    </p:spTree>
-    <p:extLst>
-      <p:ext uri="{BB962C8B-B14F-4D97-AF65-F5344CB8AC3E}">
-        <p14:creationId xmlns:p14="http://schemas.microsoft.com/office/powerpoint/2010/main" xmlns="" val="2347605692"/>
-      </p:ext>
-    </p:extLst>
-  </p:cSld>
-  <p:clrMapOvr>
-    <a:masterClrMapping/>
-  </p:clrMapOvr>
-</p:sld>
-</file>
-
-<file path=ppt/slides/slide7.xml><?xml version="1.0" encoding="utf-8"?>
-<p:sld xmlns:a="http://schemas.openxmlformats.org/drawingml/2006/main" xmlns:r="http://schemas.openxmlformats.org/officeDocument/2006/relationships" xmlns:p="http://schemas.openxmlformats.org/presentationml/2006/main">
-  <p:cSld>
-    <p:spTree>
-      <p:nvGrpSpPr>
-        <p:cNvPr id="1" name=""/>
-        <p:cNvGrpSpPr/>
-        <p:nvPr/>
-      </p:nvGrpSpPr>
-      <p:grpSpPr>
-        <a:xfrm>
-          <a:off x="0" y="0"/>
-          <a:ext cx="0" cy="0"/>
-          <a:chOff x="0" y="0"/>
-          <a:chExt cx="0" cy="0"/>
-        </a:xfrm>
-      </p:grpSpPr>
-      <p:sp>
-        <p:nvSpPr>
-          <p:cNvPr id="2" name="Title 1">
-            <a:extLst>
-              <a:ext uri="{FF2B5EF4-FFF2-40B4-BE49-F238E27FC236}">
-                <a16:creationId xmlns:a16="http://schemas.microsoft.com/office/drawing/2014/main" xmlns="" id="{4E4BBC76-6103-41CD-B995-381D1AFC5688}"/>
-              </a:ext>
-            </a:extLst>
-          </p:cNvPr>
-          <p:cNvSpPr>
-            <a:spLocks noGrp="1"/>
-          </p:cNvSpPr>
-          <p:nvPr>
-            <p:ph type="title"/>
-          </p:nvPr>
-        </p:nvSpPr>
-        <p:spPr>
-          <a:xfrm>
-            <a:off x="1501564" y="487393"/>
-            <a:ext cx="10018713" cy="1752599"/>
-          </a:xfrm>
-        </p:spPr>
-        <p:txBody>
-          <a:bodyPr/>
-          <a:lstStyle/>
-          <a:p>
-            <a:r>
-              <a:rPr lang="en-GB" dirty="0"/>
-              <a:t>Concept Idea</a:t>
-            </a:r>
-          </a:p>
-        </p:txBody>
-      </p:sp>
-      <p:sp>
-        <p:nvSpPr>
-          <p:cNvPr id="3" name="Content Placeholder 2">
-            <a:extLst>
-              <a:ext uri="{FF2B5EF4-FFF2-40B4-BE49-F238E27FC236}">
-                <a16:creationId xmlns:a16="http://schemas.microsoft.com/office/drawing/2014/main" xmlns="" id="{0CEABE3A-C4A2-4A5F-B949-325978B65668}"/>
-              </a:ext>
-            </a:extLst>
-          </p:cNvPr>
-          <p:cNvSpPr>
-            <a:spLocks noGrp="1"/>
-          </p:cNvSpPr>
-          <p:nvPr>
-            <p:ph idx="1"/>
-          </p:nvPr>
-        </p:nvSpPr>
-        <p:spPr>
-          <a:xfrm>
-            <a:off x="1484310" y="1828800"/>
-            <a:ext cx="10018713" cy="3962401"/>
-          </a:xfrm>
-        </p:spPr>
-        <p:txBody>
-          <a:bodyPr>
-            <a:normAutofit lnSpcReduction="10000"/>
-          </a:bodyPr>
-          <a:lstStyle/>
-          <a:p>
-            <a:r>
-              <a:rPr lang="en-GB" dirty="0"/>
-              <a:t>What we </a:t>
-            </a:r>
-            <a:r>
-              <a:rPr lang="en-GB" dirty="0" smtClean="0"/>
-              <a:t>changed?</a:t>
-            </a:r>
-          </a:p>
-          <a:p>
-            <a:pPr lvl="1"/>
-            <a:r>
-              <a:rPr lang="en-GB" dirty="0" smtClean="0"/>
-              <a:t>Endless runner -&gt; Tug-of-war.</a:t>
-            </a:r>
-          </a:p>
-          <a:p>
-            <a:pPr lvl="1"/>
-            <a:r>
-              <a:rPr lang="en-GB" dirty="0" smtClean="0"/>
-              <a:t>Both players on the screen at once.</a:t>
-            </a:r>
-            <a:endParaRPr lang="en-GB" dirty="0"/>
-          </a:p>
-          <a:p>
-            <a:r>
-              <a:rPr lang="en-GB" dirty="0" smtClean="0"/>
-              <a:t>Mechanics</a:t>
-            </a:r>
-          </a:p>
-          <a:p>
-            <a:pPr lvl="1"/>
-            <a:r>
-              <a:rPr lang="en-GB" dirty="0" smtClean="0"/>
-              <a:t>Quick-time-events.</a:t>
-            </a:r>
-          </a:p>
-          <a:p>
-            <a:pPr lvl="1"/>
-            <a:r>
-              <a:rPr lang="en-GB" dirty="0" smtClean="0"/>
-              <a:t>Twitch mechanic.</a:t>
-            </a:r>
-          </a:p>
-          <a:p>
-            <a:pPr lvl="1"/>
-            <a:r>
-              <a:rPr lang="en-GB" dirty="0" smtClean="0"/>
-              <a:t>Learn-pracitce-master.</a:t>
-            </a:r>
-            <a:endParaRPr lang="en-GB" dirty="0"/>
-          </a:p>
-          <a:p>
-            <a:r>
-              <a:rPr lang="en-GB" dirty="0"/>
-              <a:t>How it fits the </a:t>
-            </a:r>
-            <a:r>
-              <a:rPr lang="en-GB" dirty="0" smtClean="0"/>
-              <a:t>brief?</a:t>
-            </a:r>
-          </a:p>
-          <a:p>
-            <a:pPr lvl="1"/>
-            <a:r>
-              <a:rPr lang="en-GB" dirty="0" smtClean="0"/>
-              <a:t>Symmetric. Adversarial. </a:t>
-            </a:r>
-            <a:endParaRPr lang="en-GB" dirty="0"/>
-          </a:p>
-        </p:txBody>
-      </p:sp>
-      <p:pic>
-        <p:nvPicPr>
-          <p:cNvPr id="4" name="Picture 3" descr="C:\Users\Games\Desktop\gameplay loop.jpg"/>
-          <p:cNvPicPr>
-            <a:picLocks noChangeAspect="1" noChangeArrowheads="1"/>
-          </p:cNvPicPr>
-          <p:nvPr/>
-        </p:nvPicPr>
-        <p:blipFill>
-          <a:blip r:embed="rId2" cstate="print"/>
-          <a:srcRect/>
-          <a:stretch>
-            <a:fillRect/>
-          </a:stretch>
-        </p:blipFill>
-        <p:spPr bwMode="auto">
-          <a:xfrm>
-            <a:off x="6634249" y="2147976"/>
-            <a:ext cx="5200221" cy="3676830"/>
-          </a:xfrm>
-          <a:prstGeom prst="rect">
-            <a:avLst/>
-          </a:prstGeom>
-          <a:noFill/>
-          <a:ln>
-            <a:solidFill>
-              <a:schemeClr val="tx1"/>
-            </a:solidFill>
-          </a:ln>
-        </p:spPr>
-      </p:pic>
-    </p:spTree>
-    <p:extLst>
-      <p:ext uri="{BB962C8B-B14F-4D97-AF65-F5344CB8AC3E}">
-        <p14:creationId xmlns:p14="http://schemas.microsoft.com/office/powerpoint/2010/main" xmlns="" val="2386905431"/>
-      </p:ext>
-    </p:extLst>
-  </p:cSld>
-  <p:clrMapOvr>
-    <a:masterClrMapping/>
-  </p:clrMapOvr>
-</p:sld>
-</file>
-
-<file path=ppt/slides/slide8.xml><?xml version="1.0" encoding="utf-8"?>
-<p:sld xmlns:a="http://schemas.openxmlformats.org/drawingml/2006/main" xmlns:r="http://schemas.openxmlformats.org/officeDocument/2006/relationships" xmlns:p="http://schemas.openxmlformats.org/presentationml/2006/main">
-  <p:cSld>
-    <p:spTree>
-      <p:nvGrpSpPr>
-        <p:cNvPr id="1" name=""/>
-        <p:cNvGrpSpPr/>
-        <p:nvPr/>
-      </p:nvGrpSpPr>
-      <p:grpSpPr>
-        <a:xfrm>
-          <a:off x="0" y="0"/>
-          <a:ext cx="0" cy="0"/>
-          <a:chOff x="0" y="0"/>
-          <a:chExt cx="0" cy="0"/>
-        </a:xfrm>
-      </p:grpSpPr>
-      <p:pic>
-        <p:nvPicPr>
-          <p:cNvPr id="2050" name="Picture 2" descr="C:\Users\Games\Desktop\game concept.jpg"/>
-          <p:cNvPicPr>
-            <a:picLocks noChangeAspect="1" noChangeArrowheads="1"/>
-          </p:cNvPicPr>
-          <p:nvPr/>
-        </p:nvPicPr>
-        <p:blipFill>
-          <a:blip r:embed="rId2" cstate="print"/>
-          <a:srcRect/>
-          <a:stretch>
-            <a:fillRect/>
-          </a:stretch>
-        </p:blipFill>
-        <p:spPr bwMode="auto">
-          <a:xfrm>
-            <a:off x="2641251" y="1004367"/>
-            <a:ext cx="8366054" cy="4707325"/>
-          </a:xfrm>
-          <a:prstGeom prst="rect">
-            <a:avLst/>
-          </a:prstGeom>
-          <a:noFill/>
-          <a:ln>
-            <a:solidFill>
-              <a:schemeClr val="tx1"/>
-            </a:solidFill>
-          </a:ln>
-        </p:spPr>
-      </p:pic>
-    </p:spTree>
-  </p:cSld>
-  <p:clrMapOvr>
-    <a:masterClrMapping/>
-  </p:clrMapOvr>
-</p:sld>
-</file>
-
-<file path=ppt/slides/slide9.xml><?xml version="1.0" encoding="utf-8"?>
-<p:sld xmlns:a="http://schemas.openxmlformats.org/drawingml/2006/main" xmlns:r="http://schemas.openxmlformats.org/officeDocument/2006/relationships" xmlns:p="http://schemas.openxmlformats.org/presentationml/2006/main">
-  <p:cSld>
-    <p:spTree>
-      <p:nvGrpSpPr>
-        <p:cNvPr id="1" name=""/>
-        <p:cNvGrpSpPr/>
-        <p:nvPr/>
-      </p:nvGrpSpPr>
-      <p:grpSpPr>
-        <a:xfrm>
-          <a:off x="0" y="0"/>
-          <a:ext cx="0" cy="0"/>
-          <a:chOff x="0" y="0"/>
-          <a:chExt cx="0" cy="0"/>
-        </a:xfrm>
-      </p:grpSpPr>
-      <p:sp>
-        <p:nvSpPr>
-          <p:cNvPr id="2" name="Title 1"/>
-          <p:cNvSpPr>
-            <a:spLocks noGrp="1"/>
-          </p:cNvSpPr>
-          <p:nvPr>
-            <p:ph type="title"/>
-          </p:nvPr>
-        </p:nvSpPr>
-        <p:spPr/>
-        <p:txBody>
-          <a:bodyPr/>
-          <a:lstStyle/>
-          <a:p>
-            <a:r>
-              <a:rPr lang="en-GB" dirty="0"/>
-              <a:t>Theme</a:t>
-            </a:r>
-          </a:p>
-        </p:txBody>
-      </p:sp>
-      <p:sp>
-        <p:nvSpPr>
-          <p:cNvPr id="3" name="Content Placeholder 2"/>
-          <p:cNvSpPr>
-            <a:spLocks noGrp="1"/>
-          </p:cNvSpPr>
-          <p:nvPr>
-            <p:ph idx="1"/>
-          </p:nvPr>
-        </p:nvSpPr>
-        <p:spPr>
-          <a:xfrm>
-            <a:off x="1484310" y="2227052"/>
-            <a:ext cx="10018713" cy="3124201"/>
-          </a:xfrm>
-        </p:spPr>
-        <p:txBody>
-          <a:bodyPr/>
-          <a:lstStyle/>
-          <a:p>
-            <a:r>
-              <a:rPr lang="en-GB" dirty="0" smtClean="0"/>
-              <a:t>Food</a:t>
-            </a:r>
-            <a:endParaRPr lang="en-GB" dirty="0"/>
-          </a:p>
-          <a:p>
-            <a:pPr lvl="1"/>
-            <a:r>
-              <a:rPr lang="en-GB" dirty="0" smtClean="0"/>
-              <a:t>Appropriate for the demographic.</a:t>
-            </a:r>
-          </a:p>
-          <a:p>
-            <a:pPr lvl="1"/>
-            <a:r>
-              <a:rPr lang="en-GB" dirty="0" smtClean="0"/>
-              <a:t>Flexible to work with. </a:t>
-            </a:r>
-          </a:p>
-          <a:p>
-            <a:pPr lvl="1"/>
-            <a:r>
-              <a:rPr lang="en-GB" dirty="0" smtClean="0"/>
-              <a:t>Exaggarated for comedic purposes.</a:t>
-            </a:r>
-          </a:p>
-        </p:txBody>
-      </p:sp>
-    </p:spTree>
-    <p:extLst>
-      <p:ext uri="{BB962C8B-B14F-4D97-AF65-F5344CB8AC3E}">
-        <p14:creationId xmlns:p14="http://schemas.microsoft.com/office/powerpoint/2010/main" xmlns="" val="2104855039"/>
-      </p:ext>
-    </p:extLst>
-  </p:cSld>
-  <p:clrMapOvr>
-    <a:masterClrMapping/>
-  </p:clrMapOvr>
+  <p:timing>
+    <p:tnLst>
+      <p:par>
+        <p:cTn id="1" dur="indefinite" restart="never" nodeType="tmRoot"/>
+      </p:par>
+    </p:tnLst>
+  </p:timing>
 </p:sld>
 </file>
 
@@ -8158,7 +8714,268 @@
   <a:extraClrSchemeLst/>
   <a:extLst>
     <a:ext uri="{05A4C25C-085E-4340-85A3-A5531E510DB2}">
-      <thm15:themeFamily xmlns:thm15="http://schemas.microsoft.com/office/thememl/2012/main" xmlns="" name="Parallax" id="{3388167B-A2EB-4685-9635-1831D9AEF8C4}" vid="{1A9F9826-882C-40B9-8F38-5A3B8CFD196D}"/>
+      <thm15:themeFamily xmlns:thm15="http://schemas.microsoft.com/office/thememl/2012/main" name="Parallax" id="{3388167B-A2EB-4685-9635-1831D9AEF8C4}" vid="{1A9F9826-882C-40B9-8F38-5A3B8CFD196D}"/>
+    </a:ext>
+  </a:extLst>
+</a:theme>
+</file>
+
+<file path=ppt/theme/theme2.xml><?xml version="1.0" encoding="utf-8"?>
+<a:theme xmlns:a="http://schemas.openxmlformats.org/drawingml/2006/main" name="Office Theme">
+  <a:themeElements>
+    <a:clrScheme name="Office">
+      <a:dk1>
+        <a:sysClr val="windowText" lastClr="000000"/>
+      </a:dk1>
+      <a:lt1>
+        <a:sysClr val="window" lastClr="FFFFFF"/>
+      </a:lt1>
+      <a:dk2>
+        <a:srgbClr val="44546A"/>
+      </a:dk2>
+      <a:lt2>
+        <a:srgbClr val="E7E6E6"/>
+      </a:lt2>
+      <a:accent1>
+        <a:srgbClr val="5B9BD5"/>
+      </a:accent1>
+      <a:accent2>
+        <a:srgbClr val="ED7D31"/>
+      </a:accent2>
+      <a:accent3>
+        <a:srgbClr val="A5A5A5"/>
+      </a:accent3>
+      <a:accent4>
+        <a:srgbClr val="FFC000"/>
+      </a:accent4>
+      <a:accent5>
+        <a:srgbClr val="4472C4"/>
+      </a:accent5>
+      <a:accent6>
+        <a:srgbClr val="70AD47"/>
+      </a:accent6>
+      <a:hlink>
+        <a:srgbClr val="0563C1"/>
+      </a:hlink>
+      <a:folHlink>
+        <a:srgbClr val="954F72"/>
+      </a:folHlink>
+    </a:clrScheme>
+    <a:fontScheme name="Office">
+      <a:majorFont>
+        <a:latin typeface="Calibri Light" panose="020F0302020204030204"/>
+        <a:ea typeface=""/>
+        <a:cs typeface=""/>
+        <a:font script="Jpan" typeface="游ゴシック Light"/>
+        <a:font script="Hang" typeface="맑은 고딕"/>
+        <a:font script="Hans" typeface="等线 Light"/>
+        <a:font script="Hant" typeface="新細明體"/>
+        <a:font script="Arab" typeface="Times New Roman"/>
+        <a:font script="Hebr" typeface="Times New Roman"/>
+        <a:font script="Thai" typeface="Angsana New"/>
+        <a:font script="Ethi" typeface="Nyala"/>
+        <a:font script="Beng" typeface="Vrinda"/>
+        <a:font script="Gujr" typeface="Shruti"/>
+        <a:font script="Khmr" typeface="MoolBoran"/>
+        <a:font script="Knda" typeface="Tunga"/>
+        <a:font script="Guru" typeface="Raavi"/>
+        <a:font script="Cans" typeface="Euphemia"/>
+        <a:font script="Cher" typeface="Plantagenet Cherokee"/>
+        <a:font script="Yiii" typeface="Microsoft Yi Baiti"/>
+        <a:font script="Tibt" typeface="Microsoft Himalaya"/>
+        <a:font script="Thaa" typeface="MV Boli"/>
+        <a:font script="Deva" typeface="Mangal"/>
+        <a:font script="Telu" typeface="Gautami"/>
+        <a:font script="Taml" typeface="Latha"/>
+        <a:font script="Syrc" typeface="Estrangelo Edessa"/>
+        <a:font script="Orya" typeface="Kalinga"/>
+        <a:font script="Mlym" typeface="Kartika"/>
+        <a:font script="Laoo" typeface="DokChampa"/>
+        <a:font script="Sinh" typeface="Iskoola Pota"/>
+        <a:font script="Mong" typeface="Mongolian Baiti"/>
+        <a:font script="Viet" typeface="Times New Roman"/>
+        <a:font script="Uigh" typeface="Microsoft Uighur"/>
+        <a:font script="Geor" typeface="Sylfaen"/>
+      </a:majorFont>
+      <a:minorFont>
+        <a:latin typeface="Calibri" panose="020F0502020204030204"/>
+        <a:ea typeface=""/>
+        <a:cs typeface=""/>
+        <a:font script="Jpan" typeface="游ゴシック"/>
+        <a:font script="Hang" typeface="맑은 고딕"/>
+        <a:font script="Hans" typeface="等线"/>
+        <a:font script="Hant" typeface="新細明體"/>
+        <a:font script="Arab" typeface="Arial"/>
+        <a:font script="Hebr" typeface="Arial"/>
+        <a:font script="Thai" typeface="Cordia New"/>
+        <a:font script="Ethi" typeface="Nyala"/>
+        <a:font script="Beng" typeface="Vrinda"/>
+        <a:font script="Gujr" typeface="Shruti"/>
+        <a:font script="Khmr" typeface="DaunPenh"/>
+        <a:font script="Knda" typeface="Tunga"/>
+        <a:font script="Guru" typeface="Raavi"/>
+        <a:font script="Cans" typeface="Euphemia"/>
+        <a:font script="Cher" typeface="Plantagenet Cherokee"/>
+        <a:font script="Yiii" typeface="Microsoft Yi Baiti"/>
+        <a:font script="Tibt" typeface="Microsoft Himalaya"/>
+        <a:font script="Thaa" typeface="MV Boli"/>
+        <a:font script="Deva" typeface="Mangal"/>
+        <a:font script="Telu" typeface="Gautami"/>
+        <a:font script="Taml" typeface="Latha"/>
+        <a:font script="Syrc" typeface="Estrangelo Edessa"/>
+        <a:font script="Orya" typeface="Kalinga"/>
+        <a:font script="Mlym" typeface="Kartika"/>
+        <a:font script="Laoo" typeface="DokChampa"/>
+        <a:font script="Sinh" typeface="Iskoola Pota"/>
+        <a:font script="Mong" typeface="Mongolian Baiti"/>
+        <a:font script="Viet" typeface="Arial"/>
+        <a:font script="Uigh" typeface="Microsoft Uighur"/>
+        <a:font script="Geor" typeface="Sylfaen"/>
+      </a:minorFont>
+    </a:fontScheme>
+    <a:fmtScheme name="Office">
+      <a:fillStyleLst>
+        <a:solidFill>
+          <a:schemeClr val="phClr"/>
+        </a:solidFill>
+        <a:gradFill rotWithShape="1">
+          <a:gsLst>
+            <a:gs pos="0">
+              <a:schemeClr val="phClr">
+                <a:lumMod val="110000"/>
+                <a:satMod val="105000"/>
+                <a:tint val="67000"/>
+              </a:schemeClr>
+            </a:gs>
+            <a:gs pos="50000">
+              <a:schemeClr val="phClr">
+                <a:lumMod val="105000"/>
+                <a:satMod val="103000"/>
+                <a:tint val="73000"/>
+              </a:schemeClr>
+            </a:gs>
+            <a:gs pos="100000">
+              <a:schemeClr val="phClr">
+                <a:lumMod val="105000"/>
+                <a:satMod val="109000"/>
+                <a:tint val="81000"/>
+              </a:schemeClr>
+            </a:gs>
+          </a:gsLst>
+          <a:lin ang="5400000" scaled="0"/>
+        </a:gradFill>
+        <a:gradFill rotWithShape="1">
+          <a:gsLst>
+            <a:gs pos="0">
+              <a:schemeClr val="phClr">
+                <a:satMod val="103000"/>
+                <a:lumMod val="102000"/>
+                <a:tint val="94000"/>
+              </a:schemeClr>
+            </a:gs>
+            <a:gs pos="50000">
+              <a:schemeClr val="phClr">
+                <a:satMod val="110000"/>
+                <a:lumMod val="100000"/>
+                <a:shade val="100000"/>
+              </a:schemeClr>
+            </a:gs>
+            <a:gs pos="100000">
+              <a:schemeClr val="phClr">
+                <a:lumMod val="99000"/>
+                <a:satMod val="120000"/>
+                <a:shade val="78000"/>
+              </a:schemeClr>
+            </a:gs>
+          </a:gsLst>
+          <a:lin ang="5400000" scaled="0"/>
+        </a:gradFill>
+      </a:fillStyleLst>
+      <a:lnStyleLst>
+        <a:ln w="6350" cap="flat" cmpd="sng" algn="ctr">
+          <a:solidFill>
+            <a:schemeClr val="phClr"/>
+          </a:solidFill>
+          <a:prstDash val="solid"/>
+          <a:miter lim="800000"/>
+        </a:ln>
+        <a:ln w="12700" cap="flat" cmpd="sng" algn="ctr">
+          <a:solidFill>
+            <a:schemeClr val="phClr"/>
+          </a:solidFill>
+          <a:prstDash val="solid"/>
+          <a:miter lim="800000"/>
+        </a:ln>
+        <a:ln w="19050" cap="flat" cmpd="sng" algn="ctr">
+          <a:solidFill>
+            <a:schemeClr val="phClr"/>
+          </a:solidFill>
+          <a:prstDash val="solid"/>
+          <a:miter lim="800000"/>
+        </a:ln>
+      </a:lnStyleLst>
+      <a:effectStyleLst>
+        <a:effectStyle>
+          <a:effectLst/>
+        </a:effectStyle>
+        <a:effectStyle>
+          <a:effectLst/>
+        </a:effectStyle>
+        <a:effectStyle>
+          <a:effectLst>
+            <a:outerShdw blurRad="57150" dist="19050" dir="5400000" algn="ctr" rotWithShape="0">
+              <a:srgbClr val="000000">
+                <a:alpha val="63000"/>
+              </a:srgbClr>
+            </a:outerShdw>
+          </a:effectLst>
+        </a:effectStyle>
+      </a:effectStyleLst>
+      <a:bgFillStyleLst>
+        <a:solidFill>
+          <a:schemeClr val="phClr"/>
+        </a:solidFill>
+        <a:solidFill>
+          <a:schemeClr val="phClr">
+            <a:tint val="95000"/>
+            <a:satMod val="170000"/>
+          </a:schemeClr>
+        </a:solidFill>
+        <a:gradFill rotWithShape="1">
+          <a:gsLst>
+            <a:gs pos="0">
+              <a:schemeClr val="phClr">
+                <a:tint val="93000"/>
+                <a:satMod val="150000"/>
+                <a:shade val="98000"/>
+                <a:lumMod val="102000"/>
+              </a:schemeClr>
+            </a:gs>
+            <a:gs pos="50000">
+              <a:schemeClr val="phClr">
+                <a:tint val="98000"/>
+                <a:satMod val="130000"/>
+                <a:shade val="90000"/>
+                <a:lumMod val="103000"/>
+              </a:schemeClr>
+            </a:gs>
+            <a:gs pos="100000">
+              <a:schemeClr val="phClr">
+                <a:shade val="63000"/>
+                <a:satMod val="120000"/>
+              </a:schemeClr>
+            </a:gs>
+          </a:gsLst>
+          <a:lin ang="5400000" scaled="0"/>
+        </a:gradFill>
+      </a:bgFillStyleLst>
+    </a:fmtScheme>
+  </a:themeElements>
+  <a:objectDefaults/>
+  <a:extraClrSchemeLst/>
+  <a:extLst>
+    <a:ext uri="{05A4C25C-085E-4340-85A3-A5531E510DB2}">
+      <thm15:themeFamily xmlns:thm15="http://schemas.microsoft.com/office/thememl/2012/main" name="Office Theme" id="{62F939B6-93AF-4DB8-9C6B-D6C7DFDC589F}" vid="{4A3C46E8-61CC-4603-A589-7422A47A8E4A}"/>
     </a:ext>
   </a:extLst>
 </a:theme>
